--- a/challenge_0/Flowchart .pptx
+++ b/challenge_0/Flowchart .pptx
@@ -7057,7 +7057,7 @@
             <a:r>
               <a:rPr lang="ja" sz="1800" b="1" dirty="0" smtClean="0">
                 <a:solidFill>
-                  <a:srgbClr val="3366FF"/>
+                  <a:schemeClr val="tx1"/>
                 </a:solidFill>
               </a:rPr>
               <a:t>課題</a:t>
@@ -7065,7 +7065,7 @@
             <a:r>
               <a:rPr lang="ja-JP" altLang="en-US" sz="1800" b="1" dirty="0" smtClean="0">
                 <a:solidFill>
-                  <a:srgbClr val="3366FF"/>
+                  <a:schemeClr val="tx1"/>
                 </a:solidFill>
               </a:rPr>
               <a:t>１２</a:t>
@@ -12977,7 +12977,7 @@
             <a:r>
               <a:rPr lang="ja" sz="2400" b="1" dirty="0" smtClean="0">
                 <a:solidFill>
-                  <a:srgbClr val="3366FF"/>
+                  <a:srgbClr val="FF0000"/>
                 </a:solidFill>
               </a:rPr>
               <a:t>課題</a:t>
@@ -12985,7 +12985,7 @@
             <a:r>
               <a:rPr lang="ja-JP" altLang="en-US" sz="2400" b="1" dirty="0" smtClean="0">
                 <a:solidFill>
-                  <a:srgbClr val="3366FF"/>
+                  <a:srgbClr val="FF0000"/>
                 </a:solidFill>
               </a:rPr>
               <a:t>６</a:t>
@@ -13247,7 +13247,7 @@
         </p:nvSpPr>
         <p:spPr>
           <a:xfrm rot="10800000">
-            <a:off x="5093603" y="1966647"/>
+            <a:off x="5093603" y="2412626"/>
             <a:ext cx="2194117" cy="227166"/>
           </a:xfrm>
           <a:prstGeom prst="flowChartManualOperation">
@@ -13290,7 +13290,7 @@
         </p:nvSpPr>
         <p:spPr>
           <a:xfrm>
-            <a:off x="5093603" y="3600059"/>
+            <a:off x="5093603" y="4046038"/>
             <a:ext cx="2194117" cy="210533"/>
           </a:xfrm>
           <a:prstGeom prst="flowChartManualOperation">
@@ -13521,8 +13521,8 @@
         </p:nvSpPr>
         <p:spPr>
           <a:xfrm>
-            <a:off x="5371646" y="1940822"/>
-            <a:ext cx="1697901" cy="261610"/>
+            <a:off x="5371646" y="2386801"/>
+            <a:ext cx="1532697" cy="261610"/>
           </a:xfrm>
           <a:prstGeom prst="rect">
             <a:avLst/>
@@ -13536,16 +13536,16 @@
           <a:lstStyle/>
           <a:p>
             <a:r>
-              <a:rPr kumimoji="1" lang="en-US" altLang="ja-JP" sz="1100" dirty="0" smtClean="0"/>
-              <a:t>X</a:t>
+              <a:rPr kumimoji="1" lang="ja-JP" altLang="ja-JP" sz="1100" dirty="0"/>
+              <a:t>x</a:t>
             </a:r>
             <a:r>
               <a:rPr kumimoji="1" lang="ja-JP" altLang="en-US" sz="1100" dirty="0" smtClean="0"/>
-              <a:t>の表示</a:t>
+              <a:t>の</a:t>
             </a:r>
             <a:r>
               <a:rPr kumimoji="1" lang="ja-JP" altLang="en-US" sz="1100" dirty="0" smtClean="0"/>
-              <a:t>回数</a:t>
+              <a:t>表示回数</a:t>
             </a:r>
             <a:r>
               <a:rPr kumimoji="1" lang="en-US" altLang="ja-JP" sz="1100" dirty="0" smtClean="0"/>
@@ -13556,12 +13556,8 @@
               <a:t>が</a:t>
             </a:r>
             <a:r>
-              <a:rPr kumimoji="1" lang="ja-JP" altLang="ja-JP" sz="1100" dirty="0"/>
-              <a:t>2</a:t>
-            </a:r>
-            <a:r>
-              <a:rPr kumimoji="1" lang="ja-JP" altLang="en-US" sz="1100" dirty="0" smtClean="0"/>
-              <a:t>回</a:t>
+              <a:rPr kumimoji="1" lang="en-US" altLang="ja-JP" sz="1100" dirty="0" smtClean="0"/>
+              <a:t>3</a:t>
             </a:r>
             <a:r>
               <a:rPr kumimoji="1" lang="ja-JP" altLang="en-US" sz="1100" dirty="0" smtClean="0"/>
@@ -13649,7 +13645,7 @@
         </p:nvCxnSpPr>
         <p:spPr>
           <a:xfrm>
-            <a:off x="6112665" y="2193813"/>
+            <a:off x="6112665" y="2639792"/>
             <a:ext cx="0" cy="216197"/>
           </a:xfrm>
           <a:prstGeom prst="straightConnector1">
@@ -13903,7 +13899,7 @@
         </p:nvSpPr>
         <p:spPr>
           <a:xfrm>
-            <a:off x="5392857" y="4175291"/>
+            <a:off x="5392857" y="4621270"/>
             <a:ext cx="1367632" cy="318661"/>
           </a:xfrm>
           <a:prstGeom prst="flowChartTerminator">
@@ -13944,7 +13940,7 @@
         </p:nvSpPr>
         <p:spPr>
           <a:xfrm>
-            <a:off x="5775015" y="4105649"/>
+            <a:off x="5775015" y="4551628"/>
             <a:ext cx="612593" cy="400110"/>
           </a:xfrm>
           <a:prstGeom prst="rect">
@@ -14010,7 +14006,7 @@
         </p:nvCxnSpPr>
         <p:spPr>
           <a:xfrm>
-            <a:off x="6107802" y="3783292"/>
+            <a:off x="6107802" y="4229271"/>
             <a:ext cx="11025" cy="391999"/>
           </a:xfrm>
           <a:prstGeom prst="straightConnector1">
@@ -14133,7 +14129,7 @@
         </p:nvSpPr>
         <p:spPr>
           <a:xfrm>
-            <a:off x="5302258" y="2436091"/>
+            <a:off x="5302258" y="2882070"/>
             <a:ext cx="1712970" cy="246221"/>
           </a:xfrm>
           <a:prstGeom prst="flowChartProcess">
@@ -14174,7 +14170,7 @@
         </p:nvSpPr>
         <p:spPr>
           <a:xfrm>
-            <a:off x="5120223" y="2412232"/>
+            <a:off x="5120223" y="2858211"/>
             <a:ext cx="1984884" cy="276999"/>
           </a:xfrm>
           <a:prstGeom prst="rect">
@@ -14245,7 +14241,7 @@
         </p:nvCxnSpPr>
         <p:spPr>
           <a:xfrm>
-            <a:off x="6107802" y="3254835"/>
+            <a:off x="6107802" y="3700814"/>
             <a:ext cx="0" cy="345224"/>
           </a:xfrm>
           <a:prstGeom prst="straightConnector1">
@@ -14453,7 +14449,7 @@
         </p:nvCxnSpPr>
         <p:spPr>
           <a:xfrm>
-            <a:off x="6110835" y="2694233"/>
+            <a:off x="6110835" y="3140212"/>
             <a:ext cx="3660" cy="256656"/>
           </a:xfrm>
           <a:prstGeom prst="straightConnector1">
@@ -14489,7 +14485,7 @@
         </p:nvSpPr>
         <p:spPr>
           <a:xfrm>
-            <a:off x="5302258" y="2979920"/>
+            <a:off x="5302258" y="3425899"/>
             <a:ext cx="1712970" cy="246221"/>
           </a:xfrm>
           <a:prstGeom prst="flowChartProcess">
@@ -14530,7 +14526,7 @@
         </p:nvSpPr>
         <p:spPr>
           <a:xfrm>
-            <a:off x="5126385" y="2939726"/>
+            <a:off x="5126385" y="3385705"/>
             <a:ext cx="1984884" cy="276999"/>
           </a:xfrm>
           <a:prstGeom prst="rect">
@@ -14552,6 +14548,77 @@
             <a:r>
               <a:rPr kumimoji="1" lang="ja-JP" altLang="en-US" sz="1200" b="1" dirty="0" smtClean="0"/>
               <a:t>＋１</a:t>
+            </a:r>
+            <a:endParaRPr kumimoji="1" lang="ja-JP" altLang="en-US" sz="1200" b="1" dirty="0"/>
+          </a:p>
+        </p:txBody>
+      </p:sp>
+      <p:sp>
+        <p:nvSpPr>
+          <p:cNvPr id="48" name="Shape 52"/>
+          <p:cNvSpPr/>
+          <p:nvPr/>
+        </p:nvSpPr>
+        <p:spPr>
+          <a:xfrm>
+            <a:off x="5291114" y="1968180"/>
+            <a:ext cx="1712970" cy="275465"/>
+          </a:xfrm>
+          <a:prstGeom prst="flowChartProcess">
+            <a:avLst/>
+          </a:prstGeom>
+          <a:noFill/>
+          <a:ln w="9525" cap="flat" cmpd="sng">
+            <a:solidFill>
+              <a:srgbClr val="000000"/>
+            </a:solidFill>
+            <a:prstDash val="solid"/>
+            <a:round/>
+            <a:headEnd type="none" w="med" len="med"/>
+            <a:tailEnd type="none" w="med" len="med"/>
+          </a:ln>
+        </p:spPr>
+        <p:txBody>
+          <a:bodyPr lIns="91425" tIns="91425" rIns="91425" bIns="91425" anchor="ctr" anchorCtr="0">
+            <a:noAutofit/>
+          </a:bodyPr>
+          <a:lstStyle/>
+          <a:p>
+            <a:pPr>
+              <a:spcBef>
+                <a:spcPts val="0"/>
+              </a:spcBef>
+              <a:buNone/>
+            </a:pPr>
+            <a:endParaRPr/>
+          </a:p>
+        </p:txBody>
+      </p:sp>
+      <p:sp>
+        <p:nvSpPr>
+          <p:cNvPr id="49" name="テキスト ボックス 48"/>
+          <p:cNvSpPr txBox="1"/>
+          <p:nvPr/>
+        </p:nvSpPr>
+        <p:spPr>
+          <a:xfrm>
+            <a:off x="5878537" y="1982563"/>
+            <a:ext cx="458529" cy="276999"/>
+          </a:xfrm>
+          <a:prstGeom prst="rect">
+            <a:avLst/>
+          </a:prstGeom>
+          <a:noFill/>
+        </p:spPr>
+        <p:txBody>
+          <a:bodyPr wrap="none" rtlCol="0">
+            <a:spAutoFit/>
+          </a:bodyPr>
+          <a:lstStyle/>
+          <a:p>
+            <a:r>
+              <a:rPr kumimoji="1" lang="en-US" altLang="ja-JP" sz="1200" b="1" dirty="0" smtClean="0"/>
+              <a:t>y=1</a:t>
             </a:r>
             <a:endParaRPr kumimoji="1" lang="ja-JP" altLang="en-US" sz="1200" b="1" dirty="0"/>
           </a:p>
@@ -16186,7 +16253,15 @@
             <a:pPr algn="ctr"/>
             <a:r>
               <a:rPr kumimoji="1" lang="ja-JP" altLang="en-US" sz="1100" dirty="0" smtClean="0"/>
-              <a:t>入力をクリア</a:t>
+              <a:t>入力</a:t>
+            </a:r>
+            <a:r>
+              <a:rPr kumimoji="1" lang="ja-JP" altLang="en-US" sz="1100" dirty="0" smtClean="0"/>
+              <a:t>画面</a:t>
+            </a:r>
+            <a:r>
+              <a:rPr kumimoji="1" lang="ja-JP" altLang="en-US" sz="1100" dirty="0" smtClean="0"/>
+              <a:t>をクリア</a:t>
             </a:r>
             <a:endParaRPr kumimoji="1" lang="ja-JP" altLang="en-US" sz="1100" dirty="0"/>
           </a:p>
@@ -18822,8 +18897,8 @@
         </p:nvSpPr>
         <p:spPr>
           <a:xfrm>
-            <a:off x="5396710" y="3504741"/>
-            <a:ext cx="1481667" cy="246221"/>
+            <a:off x="5226685" y="3520130"/>
+            <a:ext cx="1822887" cy="230832"/>
           </a:xfrm>
           <a:prstGeom prst="rect">
             <a:avLst/>
@@ -18838,18 +18913,30 @@
           <a:p>
             <a:pPr algn="ctr"/>
             <a:r>
-              <a:rPr kumimoji="1" lang="ja-JP" altLang="en-US" sz="1000" dirty="0" smtClean="0"/>
+              <a:rPr kumimoji="1" lang="ja-JP" altLang="en-US" sz="900" dirty="0" smtClean="0"/>
+              <a:t>「</a:t>
+            </a:r>
+            <a:r>
+              <a:rPr kumimoji="1" lang="ja-JP" altLang="en-US" sz="900" dirty="0" smtClean="0"/>
               <a:t>記事</a:t>
             </a:r>
             <a:r>
-              <a:rPr kumimoji="1" lang="en-US" altLang="ja-JP" sz="1000" dirty="0" err="1" smtClean="0"/>
+              <a:rPr kumimoji="1" lang="en-US" altLang="ja-JP" sz="900" dirty="0" err="1" smtClean="0"/>
               <a:t>No.x</a:t>
             </a:r>
             <a:r>
-              <a:rPr kumimoji="1" lang="ja-JP" altLang="en-US" sz="1000" dirty="0" smtClean="0"/>
-              <a:t>を表示</a:t>
-            </a:r>
-            <a:endParaRPr kumimoji="1" lang="ja-JP" altLang="en-US" sz="1000" dirty="0"/>
+              <a:rPr kumimoji="1" lang="ja-JP" altLang="en-US" sz="900" dirty="0" smtClean="0"/>
+              <a:t>を</a:t>
+            </a:r>
+            <a:r>
+              <a:rPr kumimoji="1" lang="ja-JP" altLang="en-US" sz="900" dirty="0" smtClean="0"/>
+              <a:t>表示</a:t>
+            </a:r>
+            <a:r>
+              <a:rPr kumimoji="1" lang="ja-JP" altLang="en-US" sz="900" dirty="0" smtClean="0"/>
+              <a:t>」と表示</a:t>
+            </a:r>
+            <a:endParaRPr kumimoji="1" lang="ja-JP" altLang="en-US" sz="900" dirty="0"/>
           </a:p>
         </p:txBody>
       </p:sp>

--- a/challenge_0/Flowchart .pptx
+++ b/challenge_0/Flowchart .pptx
@@ -13541,11 +13541,7 @@
             </a:r>
             <a:r>
               <a:rPr kumimoji="1" lang="ja-JP" altLang="en-US" sz="1100" dirty="0" smtClean="0"/>
-              <a:t>の</a:t>
-            </a:r>
-            <a:r>
-              <a:rPr kumimoji="1" lang="ja-JP" altLang="en-US" sz="1100" dirty="0" smtClean="0"/>
-              <a:t>表示回数</a:t>
+              <a:t>の表示回数</a:t>
             </a:r>
             <a:r>
               <a:rPr kumimoji="1" lang="en-US" altLang="ja-JP" sz="1100" dirty="0" smtClean="0"/>
@@ -13735,59 +13731,6 @@
       </p:sp>
       <p:sp>
         <p:nvSpPr>
-          <p:cNvPr id="30" name="テキスト ボックス 29"/>
-          <p:cNvSpPr txBox="1"/>
-          <p:nvPr/>
-        </p:nvSpPr>
-        <p:spPr>
-          <a:xfrm>
-            <a:off x="7287721" y="1915273"/>
-            <a:ext cx="3037523" cy="523220"/>
-          </a:xfrm>
-          <a:prstGeom prst="rect">
-            <a:avLst/>
-          </a:prstGeom>
-          <a:noFill/>
-        </p:spPr>
-        <p:txBody>
-          <a:bodyPr wrap="none" rtlCol="0">
-            <a:spAutoFit/>
-          </a:bodyPr>
-          <a:lstStyle/>
-          <a:p>
-            <a:r>
-              <a:rPr kumimoji="1" lang="ja-JP" altLang="en-US" dirty="0" smtClean="0"/>
-              <a:t>「</a:t>
-            </a:r>
-            <a:r>
-              <a:rPr kumimoji="1" lang="en-US" altLang="ja-JP" dirty="0" err="1" smtClean="0"/>
-              <a:t>HelloWorld</a:t>
-            </a:r>
-            <a:r>
-              <a:rPr kumimoji="1" lang="ja-JP" altLang="en-US" dirty="0" smtClean="0"/>
-              <a:t>」を３回表示するまで</a:t>
-            </a:r>
-            <a:endParaRPr kumimoji="1" lang="en-US" altLang="ja-JP" dirty="0" smtClean="0"/>
-          </a:p>
-          <a:p>
-            <a:r>
-              <a:rPr kumimoji="1" lang="ja-JP" altLang="en-US" dirty="0" smtClean="0"/>
-              <a:t>繰り返しますよ</a:t>
-            </a:r>
-            <a:r>
-              <a:rPr kumimoji="1" lang="en-US" altLang="ja-JP" dirty="0" smtClean="0"/>
-              <a:t>〜</a:t>
-            </a:r>
-            <a:r>
-              <a:rPr kumimoji="1" lang="ja-JP" altLang="en-US" dirty="0" smtClean="0"/>
-              <a:t>的な？</a:t>
-            </a:r>
-            <a:endParaRPr kumimoji="1" lang="ja-JP" altLang="en-US" dirty="0"/>
-          </a:p>
-        </p:txBody>
-      </p:sp>
-      <p:sp>
-        <p:nvSpPr>
           <p:cNvPr id="33" name="テキスト ボックス 32"/>
           <p:cNvSpPr txBox="1"/>
           <p:nvPr/>
@@ -14306,19 +14249,24 @@
       </p:sp>
       <p:sp>
         <p:nvSpPr>
-          <p:cNvPr id="74" name="テキスト ボックス 73"/>
+          <p:cNvPr id="75" name="テキスト ボックス 74"/>
           <p:cNvSpPr txBox="1"/>
           <p:nvPr/>
         </p:nvSpPr>
         <p:spPr>
           <a:xfrm>
-            <a:off x="-1169551" y="1187431"/>
-            <a:ext cx="2339102" cy="307777"/>
+            <a:off x="4213492" y="922001"/>
+            <a:ext cx="912893" cy="307777"/>
           </a:xfrm>
           <a:prstGeom prst="rect">
             <a:avLst/>
           </a:prstGeom>
           <a:noFill/>
+          <a:ln>
+            <a:solidFill>
+              <a:srgbClr val="000000"/>
+            </a:solidFill>
+          </a:ln>
         </p:spPr>
         <p:txBody>
           <a:bodyPr wrap="none" rtlCol="0">
@@ -14328,114 +14276,7 @@
           <a:p>
             <a:r>
               <a:rPr kumimoji="1" lang="ja-JP" altLang="en-US" dirty="0" smtClean="0"/>
-              <a:t>汎用性？に欠けるか。。。</a:t>
-            </a:r>
-            <a:endParaRPr kumimoji="1" lang="ja-JP" altLang="en-US" dirty="0"/>
-          </a:p>
-        </p:txBody>
-      </p:sp>
-      <p:sp>
-        <p:nvSpPr>
-          <p:cNvPr id="75" name="テキスト ボックス 74"/>
-          <p:cNvSpPr txBox="1"/>
-          <p:nvPr/>
-        </p:nvSpPr>
-        <p:spPr>
-          <a:xfrm>
-            <a:off x="3632648" y="1057156"/>
-            <a:ext cx="912893" cy="307777"/>
-          </a:xfrm>
-          <a:prstGeom prst="rect">
-            <a:avLst/>
-          </a:prstGeom>
-          <a:noFill/>
-          <a:ln>
-            <a:solidFill>
-              <a:srgbClr val="000000"/>
-            </a:solidFill>
-          </a:ln>
-        </p:spPr>
-        <p:txBody>
-          <a:bodyPr wrap="none" rtlCol="0">
-            <a:spAutoFit/>
-          </a:bodyPr>
-          <a:lstStyle/>
-          <a:p>
-            <a:r>
-              <a:rPr kumimoji="1" lang="ja-JP" altLang="en-US" dirty="0" smtClean="0"/>
               <a:t>繰り返し</a:t>
-            </a:r>
-            <a:endParaRPr kumimoji="1" lang="ja-JP" altLang="en-US" dirty="0"/>
-          </a:p>
-        </p:txBody>
-      </p:sp>
-      <p:sp>
-        <p:nvSpPr>
-          <p:cNvPr id="76" name="テキスト ボックス 75"/>
-          <p:cNvSpPr txBox="1"/>
-          <p:nvPr/>
-        </p:nvSpPr>
-        <p:spPr>
-          <a:xfrm>
-            <a:off x="3619724" y="1392326"/>
-            <a:ext cx="1441420" cy="307777"/>
-          </a:xfrm>
-          <a:prstGeom prst="rect">
-            <a:avLst/>
-          </a:prstGeom>
-          <a:noFill/>
-        </p:spPr>
-        <p:txBody>
-          <a:bodyPr wrap="none" rtlCol="0">
-            <a:spAutoFit/>
-          </a:bodyPr>
-          <a:lstStyle/>
-          <a:p>
-            <a:r>
-              <a:rPr kumimoji="1" lang="ja-JP" altLang="en-US" dirty="0" smtClean="0"/>
-              <a:t>何か足りない？</a:t>
-            </a:r>
-            <a:endParaRPr kumimoji="1" lang="ja-JP" altLang="en-US" dirty="0"/>
-          </a:p>
-        </p:txBody>
-      </p:sp>
-      <p:sp>
-        <p:nvSpPr>
-          <p:cNvPr id="77" name="テキスト ボックス 76"/>
-          <p:cNvSpPr txBox="1"/>
-          <p:nvPr/>
-        </p:nvSpPr>
-        <p:spPr>
-          <a:xfrm>
-            <a:off x="7878142" y="1448712"/>
-            <a:ext cx="2409146" cy="307777"/>
-          </a:xfrm>
-          <a:prstGeom prst="rect">
-            <a:avLst/>
-          </a:prstGeom>
-          <a:noFill/>
-        </p:spPr>
-        <p:txBody>
-          <a:bodyPr wrap="none" rtlCol="0">
-            <a:spAutoFit/>
-          </a:bodyPr>
-          <a:lstStyle/>
-          <a:p>
-            <a:r>
-              <a:rPr kumimoji="1" lang="en-US" altLang="ja-JP" dirty="0" err="1" smtClean="0"/>
-              <a:t>HelloWorld</a:t>
-            </a:r>
-            <a:r>
-              <a:rPr kumimoji="1" lang="ja-JP" altLang="en-US" dirty="0" smtClean="0"/>
-              <a:t>長いから</a:t>
-            </a:r>
-            <a:r>
-              <a:rPr kumimoji="1" lang="en-US" altLang="ja-JP" dirty="0" smtClean="0"/>
-              <a:t>x</a:t>
-            </a:r>
-            <a:r>
-              <a:rPr kumimoji="1" lang="ja-JP" altLang="en-US" dirty="0" smtClean="0"/>
-              <a:t>に代入</a:t>
             </a:r>
             <a:endParaRPr kumimoji="1" lang="ja-JP" altLang="en-US" dirty="0"/>
           </a:p>
@@ -16253,15 +16094,7 @@
             <a:pPr algn="ctr"/>
             <a:r>
               <a:rPr kumimoji="1" lang="ja-JP" altLang="en-US" sz="1100" dirty="0" smtClean="0"/>
-              <a:t>入力</a:t>
-            </a:r>
-            <a:r>
-              <a:rPr kumimoji="1" lang="ja-JP" altLang="en-US" sz="1100" dirty="0" smtClean="0"/>
-              <a:t>画面</a:t>
-            </a:r>
-            <a:r>
-              <a:rPr kumimoji="1" lang="ja-JP" altLang="en-US" sz="1100" dirty="0" smtClean="0"/>
-              <a:t>をクリア</a:t>
+              <a:t>入力画面をクリア</a:t>
             </a:r>
             <a:endParaRPr kumimoji="1" lang="ja-JP" altLang="en-US" sz="1100" dirty="0"/>
           </a:p>
@@ -16305,66 +16138,6 @@
           </a:fontRef>
         </p:style>
       </p:cxnSp>
-      <p:sp>
-        <p:nvSpPr>
-          <p:cNvPr id="63" name="テキスト ボックス 62"/>
-          <p:cNvSpPr txBox="1"/>
-          <p:nvPr/>
-        </p:nvSpPr>
-        <p:spPr>
-          <a:xfrm>
-            <a:off x="7861300" y="1515374"/>
-            <a:ext cx="3057247" cy="307777"/>
-          </a:xfrm>
-          <a:prstGeom prst="rect">
-            <a:avLst/>
-          </a:prstGeom>
-          <a:noFill/>
-        </p:spPr>
-        <p:txBody>
-          <a:bodyPr wrap="none" rtlCol="0">
-            <a:spAutoFit/>
-          </a:bodyPr>
-          <a:lstStyle/>
-          <a:p>
-            <a:r>
-              <a:rPr kumimoji="1" lang="ja-JP" altLang="en-US" dirty="0" smtClean="0"/>
-              <a:t>ログインになるまで繰り返すループ</a:t>
-            </a:r>
-            <a:endParaRPr kumimoji="1" lang="ja-JP" altLang="en-US" dirty="0"/>
-          </a:p>
-        </p:txBody>
-      </p:sp>
-      <p:sp>
-        <p:nvSpPr>
-          <p:cNvPr id="64" name="テキスト ボックス 63"/>
-          <p:cNvSpPr txBox="1"/>
-          <p:nvPr/>
-        </p:nvSpPr>
-        <p:spPr>
-          <a:xfrm>
-            <a:off x="8164007" y="3191537"/>
-            <a:ext cx="2518638" cy="307777"/>
-          </a:xfrm>
-          <a:prstGeom prst="rect">
-            <a:avLst/>
-          </a:prstGeom>
-          <a:noFill/>
-        </p:spPr>
-        <p:txBody>
-          <a:bodyPr wrap="none" rtlCol="0">
-            <a:spAutoFit/>
-          </a:bodyPr>
-          <a:lstStyle/>
-          <a:p>
-            <a:r>
-              <a:rPr kumimoji="1" lang="ja-JP" altLang="en-US" dirty="0" smtClean="0"/>
-              <a:t>ループから抜け出す条件分岐</a:t>
-            </a:r>
-            <a:endParaRPr kumimoji="1" lang="ja-JP" altLang="en-US" dirty="0"/>
-          </a:p>
-        </p:txBody>
-      </p:sp>
       <p:sp>
         <p:nvSpPr>
           <p:cNvPr id="67" name="テキスト ボックス 66"/>
@@ -18914,11 +18687,7 @@
             <a:pPr algn="ctr"/>
             <a:r>
               <a:rPr kumimoji="1" lang="ja-JP" altLang="en-US" sz="900" dirty="0" smtClean="0"/>
-              <a:t>「</a:t>
-            </a:r>
-            <a:r>
-              <a:rPr kumimoji="1" lang="ja-JP" altLang="en-US" sz="900" dirty="0" smtClean="0"/>
-              <a:t>記事</a:t>
+              <a:t>「記事</a:t>
             </a:r>
             <a:r>
               <a:rPr kumimoji="1" lang="en-US" altLang="ja-JP" sz="900" dirty="0" err="1" smtClean="0"/>
@@ -18926,15 +18695,7 @@
             </a:r>
             <a:r>
               <a:rPr kumimoji="1" lang="ja-JP" altLang="en-US" sz="900" dirty="0" smtClean="0"/>
-              <a:t>を</a:t>
-            </a:r>
-            <a:r>
-              <a:rPr kumimoji="1" lang="ja-JP" altLang="en-US" sz="900" dirty="0" smtClean="0"/>
-              <a:t>表示</a:t>
-            </a:r>
-            <a:r>
-              <a:rPr kumimoji="1" lang="ja-JP" altLang="en-US" sz="900" dirty="0" smtClean="0"/>
-              <a:t>」と表示</a:t>
+              <a:t>を表示」と表示</a:t>
             </a:r>
             <a:endParaRPr kumimoji="1" lang="ja-JP" altLang="en-US" sz="900" dirty="0"/>
           </a:p>
@@ -19481,54 +19242,6 @@
               <a:t>NO</a:t>
             </a:r>
             <a:endParaRPr kumimoji="1" lang="ja-JP" altLang="en-US" sz="1200" dirty="0"/>
-          </a:p>
-        </p:txBody>
-      </p:sp>
-      <p:sp>
-        <p:nvSpPr>
-          <p:cNvPr id="36" name="テキスト ボックス 35"/>
-          <p:cNvSpPr txBox="1"/>
-          <p:nvPr/>
-        </p:nvSpPr>
-        <p:spPr>
-          <a:xfrm>
-            <a:off x="7197278" y="3608743"/>
-            <a:ext cx="3785474" cy="523220"/>
-          </a:xfrm>
-          <a:prstGeom prst="rect">
-            <a:avLst/>
-          </a:prstGeom>
-          <a:noFill/>
-        </p:spPr>
-        <p:txBody>
-          <a:bodyPr wrap="none" rtlCol="0">
-            <a:spAutoFit/>
-          </a:bodyPr>
-          <a:lstStyle/>
-          <a:p>
-            <a:r>
-              <a:rPr kumimoji="1" lang="ja-JP" altLang="en-US" dirty="0" smtClean="0"/>
-              <a:t>「記事</a:t>
-            </a:r>
-            <a:r>
-              <a:rPr kumimoji="1" lang="en-US" altLang="ja-JP" dirty="0" err="1" smtClean="0"/>
-              <a:t>No.x</a:t>
-            </a:r>
-            <a:r>
-              <a:rPr kumimoji="1" lang="ja-JP" altLang="en-US" dirty="0" smtClean="0"/>
-              <a:t>を表示」が２０回表記されるまで</a:t>
-            </a:r>
-            <a:endParaRPr kumimoji="1" lang="en-US" altLang="ja-JP" dirty="0" smtClean="0"/>
-          </a:p>
-          <a:p>
-            <a:r>
-              <a:rPr kumimoji="1" lang="ja-JP" altLang="en-US" dirty="0" smtClean="0"/>
-              <a:t>　繰り返ししたいって感じかな</a:t>
-            </a:r>
-            <a:r>
-              <a:rPr kumimoji="1" lang="en-US" altLang="ja-JP" dirty="0" smtClean="0"/>
-              <a:t>?</a:t>
-            </a:r>
           </a:p>
         </p:txBody>
       </p:sp>

--- a/challenge_0/Flowchart .pptx
+++ b/challenge_0/Flowchart .pptx
@@ -5587,141 +5587,6 @@
           </a:p>
         </p:txBody>
       </p:sp>
-      <p:sp>
-        <p:nvSpPr>
-          <p:cNvPr id="7" name="テキスト ボックス 6"/>
-          <p:cNvSpPr txBox="1"/>
-          <p:nvPr/>
-        </p:nvSpPr>
-        <p:spPr>
-          <a:xfrm>
-            <a:off x="-425647" y="3597504"/>
-            <a:ext cx="2698175" cy="307777"/>
-          </a:xfrm>
-          <a:prstGeom prst="rect">
-            <a:avLst/>
-          </a:prstGeom>
-          <a:noFill/>
-        </p:spPr>
-        <p:txBody>
-          <a:bodyPr wrap="none" rtlCol="0">
-            <a:spAutoFit/>
-          </a:bodyPr>
-          <a:lstStyle/>
-          <a:p>
-            <a:r>
-              <a:rPr kumimoji="1" lang="ja-JP" altLang="en-US" dirty="0" smtClean="0"/>
-              <a:t>ループ分の中に条件分岐入れる</a:t>
-            </a:r>
-            <a:endParaRPr kumimoji="1" lang="ja-JP" altLang="en-US" dirty="0"/>
-          </a:p>
-        </p:txBody>
-      </p:sp>
-      <p:sp>
-        <p:nvSpPr>
-          <p:cNvPr id="9" name="テキスト ボックス 8"/>
-          <p:cNvSpPr txBox="1"/>
-          <p:nvPr/>
-        </p:nvSpPr>
-        <p:spPr>
-          <a:xfrm>
-            <a:off x="-151601" y="4203972"/>
-            <a:ext cx="2877711" cy="523220"/>
-          </a:xfrm>
-          <a:prstGeom prst="rect">
-            <a:avLst/>
-          </a:prstGeom>
-          <a:noFill/>
-        </p:spPr>
-        <p:txBody>
-          <a:bodyPr wrap="none" rtlCol="0">
-            <a:spAutoFit/>
-          </a:bodyPr>
-          <a:lstStyle/>
-          <a:p>
-            <a:r>
-              <a:rPr kumimoji="1" lang="ja-JP" altLang="en-US" dirty="0" smtClean="0"/>
-              <a:t>１</a:t>
-            </a:r>
-            <a:r>
-              <a:rPr kumimoji="1" lang="en-US" altLang="ja-JP" dirty="0" smtClean="0"/>
-              <a:t>〜</a:t>
-            </a:r>
-            <a:r>
-              <a:rPr kumimoji="1" lang="ja-JP" altLang="en-US" dirty="0" smtClean="0"/>
-              <a:t>７までの全てで偶数か奇数の</a:t>
-            </a:r>
-            <a:endParaRPr kumimoji="1" lang="en-US" altLang="ja-JP" dirty="0" smtClean="0"/>
-          </a:p>
-          <a:p>
-            <a:r>
-              <a:rPr kumimoji="1" lang="ja-JP" altLang="en-US" dirty="0" smtClean="0"/>
-              <a:t>判断表記をさせる</a:t>
-            </a:r>
-            <a:endParaRPr kumimoji="1" lang="ja-JP" altLang="en-US" dirty="0"/>
-          </a:p>
-        </p:txBody>
-      </p:sp>
-      <p:sp>
-        <p:nvSpPr>
-          <p:cNvPr id="65" name="テキスト ボックス 64"/>
-          <p:cNvSpPr txBox="1"/>
-          <p:nvPr/>
-        </p:nvSpPr>
-        <p:spPr>
-          <a:xfrm>
-            <a:off x="6032500" y="1331410"/>
-            <a:ext cx="1082348" cy="307777"/>
-          </a:xfrm>
-          <a:prstGeom prst="rect">
-            <a:avLst/>
-          </a:prstGeom>
-          <a:noFill/>
-        </p:spPr>
-        <p:txBody>
-          <a:bodyPr wrap="none" rtlCol="0">
-            <a:spAutoFit/>
-          </a:bodyPr>
-          <a:lstStyle/>
-          <a:p>
-            <a:r>
-              <a:rPr kumimoji="1" lang="ja-JP" altLang="en-US" dirty="0" smtClean="0"/>
-              <a:t>初期値が１</a:t>
-            </a:r>
-            <a:endParaRPr kumimoji="1" lang="ja-JP" altLang="en-US" dirty="0"/>
-          </a:p>
-        </p:txBody>
-      </p:sp>
-      <p:sp>
-        <p:nvSpPr>
-          <p:cNvPr id="66" name="テキスト ボックス 65"/>
-          <p:cNvSpPr txBox="1"/>
-          <p:nvPr/>
-        </p:nvSpPr>
-        <p:spPr>
-          <a:xfrm>
-            <a:off x="5891998" y="2123953"/>
-            <a:ext cx="1800493" cy="307777"/>
-          </a:xfrm>
-          <a:prstGeom prst="rect">
-            <a:avLst/>
-          </a:prstGeom>
-          <a:noFill/>
-        </p:spPr>
-        <p:txBody>
-          <a:bodyPr wrap="none" rtlCol="0">
-            <a:spAutoFit/>
-          </a:bodyPr>
-          <a:lstStyle/>
-          <a:p>
-            <a:r>
-              <a:rPr kumimoji="1" lang="ja-JP" altLang="en-US" dirty="0" smtClean="0"/>
-              <a:t>足されることが前提</a:t>
-            </a:r>
-            <a:endParaRPr kumimoji="1" lang="ja-JP" altLang="en-US" dirty="0"/>
-          </a:p>
-        </p:txBody>
-      </p:sp>
     </p:spTree>
     <p:extLst>
       <p:ext uri="{BB962C8B-B14F-4D97-AF65-F5344CB8AC3E}">
@@ -7057,7 +6922,7 @@
             <a:r>
               <a:rPr lang="ja" sz="1800" b="1" dirty="0" smtClean="0">
                 <a:solidFill>
-                  <a:schemeClr val="tx1"/>
+                  <a:srgbClr val="FF0000"/>
                 </a:solidFill>
               </a:rPr>
               <a:t>課題</a:t>
@@ -7065,7 +6930,7 @@
             <a:r>
               <a:rPr lang="ja-JP" altLang="en-US" sz="1800" b="1" dirty="0" smtClean="0">
                 <a:solidFill>
-                  <a:schemeClr val="tx1"/>
+                  <a:srgbClr val="FF0000"/>
                 </a:solidFill>
               </a:rPr>
               <a:t>１２</a:t>
@@ -7119,7 +6984,7 @@
         </p:nvSpPr>
         <p:spPr>
           <a:xfrm>
-            <a:off x="591535" y="548541"/>
+            <a:off x="639578" y="896957"/>
             <a:ext cx="1367632" cy="318661"/>
           </a:xfrm>
           <a:prstGeom prst="flowChartTerminator">
@@ -7160,7 +7025,7 @@
         </p:nvSpPr>
         <p:spPr>
           <a:xfrm>
-            <a:off x="922001" y="478899"/>
+            <a:off x="951512" y="843219"/>
             <a:ext cx="683475" cy="400110"/>
           </a:xfrm>
           <a:prstGeom prst="rect">
@@ -7190,8 +7055,8 @@
         </p:nvSpPr>
         <p:spPr>
           <a:xfrm>
-            <a:off x="3446824" y="4913979"/>
-            <a:ext cx="1367632" cy="229522"/>
+            <a:off x="3327424" y="4808880"/>
+            <a:ext cx="1367632" cy="304629"/>
           </a:xfrm>
           <a:prstGeom prst="flowChartTerminator">
             <a:avLst/>
@@ -7231,7 +7096,7 @@
         </p:nvSpPr>
         <p:spPr>
           <a:xfrm>
-            <a:off x="3828982" y="4818593"/>
+            <a:off x="3680125" y="4743390"/>
             <a:ext cx="612593" cy="400110"/>
           </a:xfrm>
           <a:prstGeom prst="rect">
@@ -7256,13 +7121,15 @@
       <p:cxnSp>
         <p:nvCxnSpPr>
           <p:cNvPr id="11" name="直線矢印コネクタ 10"/>
-          <p:cNvCxnSpPr/>
+          <p:cNvCxnSpPr>
+            <a:endCxn id="81" idx="0"/>
+          </p:cNvCxnSpPr>
           <p:nvPr/>
         </p:nvCxnSpPr>
         <p:spPr>
-          <a:xfrm flipV="1">
-            <a:off x="1959167" y="689297"/>
-            <a:ext cx="1232586" cy="29363"/>
+          <a:xfrm>
+            <a:off x="4010860" y="3825874"/>
+            <a:ext cx="10281" cy="305975"/>
           </a:xfrm>
           <a:prstGeom prst="straightConnector1">
             <a:avLst/>
@@ -7297,44 +7164,8 @@
         </p:nvCxnSpPr>
         <p:spPr>
           <a:xfrm>
-            <a:off x="4176435" y="2473073"/>
+            <a:off x="3984628" y="2219092"/>
             <a:ext cx="0" cy="234361"/>
-          </a:xfrm>
-          <a:prstGeom prst="straightConnector1">
-            <a:avLst/>
-          </a:prstGeom>
-          <a:ln>
-            <a:solidFill>
-              <a:srgbClr val="000000"/>
-            </a:solidFill>
-            <a:tailEnd type="arrow"/>
-          </a:ln>
-        </p:spPr>
-        <p:style>
-          <a:lnRef idx="2">
-            <a:schemeClr val="accent1"/>
-          </a:lnRef>
-          <a:fillRef idx="0">
-            <a:schemeClr val="accent1"/>
-          </a:fillRef>
-          <a:effectRef idx="1">
-            <a:schemeClr val="accent1"/>
-          </a:effectRef>
-          <a:fontRef idx="minor">
-            <a:schemeClr val="tx1"/>
-          </a:fontRef>
-        </p:style>
-      </p:cxnSp>
-      <p:cxnSp>
-        <p:nvCxnSpPr>
-          <p:cNvPr id="16" name="直線矢印コネクタ 15"/>
-          <p:cNvCxnSpPr/>
-          <p:nvPr/>
-        </p:nvCxnSpPr>
-        <p:spPr>
-          <a:xfrm>
-            <a:off x="4169350" y="3904339"/>
-            <a:ext cx="0" cy="194556"/>
           </a:xfrm>
           <a:prstGeom prst="straightConnector1">
             <a:avLst/>
@@ -7364,13 +7195,15 @@
       <p:cxnSp>
         <p:nvCxnSpPr>
           <p:cNvPr id="19" name="直線矢印コネクタ 18"/>
-          <p:cNvCxnSpPr/>
+          <p:cNvCxnSpPr>
+            <a:stCxn id="81" idx="2"/>
+          </p:cNvCxnSpPr>
           <p:nvPr/>
         </p:nvCxnSpPr>
         <p:spPr>
           <a:xfrm>
-            <a:off x="4157029" y="4731955"/>
-            <a:ext cx="0" cy="222289"/>
+            <a:off x="4021141" y="4347293"/>
+            <a:ext cx="0" cy="470178"/>
           </a:xfrm>
           <a:prstGeom prst="straightConnector1">
             <a:avLst/>
@@ -7399,92 +7232,14 @@
       </p:cxnSp>
       <p:sp>
         <p:nvSpPr>
-          <p:cNvPr id="25" name="テキスト ボックス 24"/>
-          <p:cNvSpPr txBox="1"/>
-          <p:nvPr/>
-        </p:nvSpPr>
-        <p:spPr>
-          <a:xfrm>
-            <a:off x="3211789" y="501271"/>
-            <a:ext cx="2274611" cy="369332"/>
-          </a:xfrm>
-          <a:prstGeom prst="rect">
-            <a:avLst/>
-          </a:prstGeom>
-          <a:noFill/>
-          <a:ln>
-            <a:solidFill>
-              <a:srgbClr val="000000"/>
-            </a:solidFill>
-          </a:ln>
-        </p:spPr>
-        <p:txBody>
-          <a:bodyPr wrap="square" rtlCol="0">
-            <a:spAutoFit/>
-          </a:bodyPr>
-          <a:lstStyle/>
-          <a:p>
-            <a:r>
-              <a:rPr kumimoji="1" lang="ja-JP" altLang="en-US" sz="900" dirty="0" smtClean="0"/>
-              <a:t>アルファベット</a:t>
-            </a:r>
-            <a:r>
-              <a:rPr kumimoji="1" lang="en-US" altLang="ja-JP" sz="900" dirty="0" err="1" smtClean="0"/>
-              <a:t>a〜z</a:t>
-            </a:r>
-            <a:r>
-              <a:rPr kumimoji="1" lang="ja-JP" altLang="en-US" sz="900" dirty="0" smtClean="0"/>
-              <a:t>のランダムな文字を</a:t>
-            </a:r>
-            <a:endParaRPr kumimoji="1" lang="en-US" altLang="ja-JP" sz="900" dirty="0" smtClean="0"/>
-          </a:p>
-          <a:p>
-            <a:r>
-              <a:rPr kumimoji="1" lang="ja-JP" altLang="en-US" sz="900" dirty="0" smtClean="0"/>
-              <a:t>「</a:t>
-            </a:r>
-            <a:r>
-              <a:rPr kumimoji="1" lang="en-US" altLang="ja-JP" sz="900" dirty="0" err="1" smtClean="0"/>
-              <a:t>γ</a:t>
-            </a:r>
-            <a:r>
-              <a:rPr kumimoji="1" lang="en-US" altLang="ja-JP" sz="900" dirty="0" smtClean="0"/>
-              <a:t>(</a:t>
-            </a:r>
-            <a:r>
-              <a:rPr kumimoji="1" lang="ja-JP" altLang="en-US" sz="900" dirty="0" smtClean="0"/>
-              <a:t>ガンマ</a:t>
-            </a:r>
-            <a:r>
-              <a:rPr kumimoji="1" lang="en-US" altLang="ja-JP" sz="900" dirty="0" smtClean="0"/>
-              <a:t>)</a:t>
-            </a:r>
-            <a:r>
-              <a:rPr kumimoji="1" lang="ja-JP" altLang="en-US" sz="900" dirty="0" smtClean="0"/>
-              <a:t>」と設定　</a:t>
-            </a:r>
-            <a:r>
-              <a:rPr kumimoji="1" lang="en-US" altLang="ja-JP" sz="900" dirty="0" smtClean="0"/>
-              <a:t>=</a:t>
-            </a:r>
-            <a:r>
-              <a:rPr kumimoji="1" lang="ja-JP" altLang="en-US" sz="900" dirty="0" smtClean="0"/>
-              <a:t>　探す値</a:t>
-            </a:r>
-            <a:endParaRPr kumimoji="1" lang="ja-JP" altLang="en-US" sz="900" dirty="0"/>
-          </a:p>
-        </p:txBody>
-      </p:sp>
-      <p:sp>
-        <p:nvSpPr>
           <p:cNvPr id="27" name="フローチャート: 手作業 26"/>
           <p:cNvSpPr/>
           <p:nvPr/>
         </p:nvSpPr>
         <p:spPr>
           <a:xfrm rot="10800000">
-            <a:off x="2573943" y="2188335"/>
-            <a:ext cx="3383980" cy="274327"/>
+            <a:off x="2680310" y="1809993"/>
+            <a:ext cx="2717798" cy="409099"/>
           </a:xfrm>
           <a:prstGeom prst="flowChartManualOperation">
             <a:avLst/>
@@ -7526,8 +7281,8 @@
         </p:nvSpPr>
         <p:spPr>
           <a:xfrm>
-            <a:off x="2573943" y="4098895"/>
-            <a:ext cx="3383980" cy="208988"/>
+            <a:off x="2680310" y="2889323"/>
+            <a:ext cx="2717798" cy="344256"/>
           </a:xfrm>
           <a:prstGeom prst="flowChartManualOperation">
             <a:avLst/>
@@ -7561,47 +7316,6 @@
           </a:p>
         </p:txBody>
       </p:sp>
-      <p:sp>
-        <p:nvSpPr>
-          <p:cNvPr id="31" name="Shape 52"/>
-          <p:cNvSpPr/>
-          <p:nvPr/>
-        </p:nvSpPr>
-        <p:spPr>
-          <a:xfrm>
-            <a:off x="3442853" y="4541455"/>
-            <a:ext cx="1481666" cy="190500"/>
-          </a:xfrm>
-          <a:prstGeom prst="flowChartProcess">
-            <a:avLst/>
-          </a:prstGeom>
-          <a:noFill/>
-          <a:ln w="9525" cap="flat" cmpd="sng">
-            <a:solidFill>
-              <a:srgbClr val="000000"/>
-            </a:solidFill>
-            <a:prstDash val="solid"/>
-            <a:round/>
-            <a:headEnd type="none" w="med" len="med"/>
-            <a:tailEnd type="none" w="med" len="med"/>
-          </a:ln>
-        </p:spPr>
-        <p:txBody>
-          <a:bodyPr lIns="91425" tIns="91425" rIns="91425" bIns="91425" anchor="ctr" anchorCtr="0">
-            <a:noAutofit/>
-          </a:bodyPr>
-          <a:lstStyle/>
-          <a:p>
-            <a:pPr>
-              <a:spcBef>
-                <a:spcPts val="0"/>
-              </a:spcBef>
-              <a:buNone/>
-            </a:pPr>
-            <a:endParaRPr/>
-          </a:p>
-        </p:txBody>
-      </p:sp>
       <p:cxnSp>
         <p:nvCxnSpPr>
           <p:cNvPr id="33" name="直線矢印コネクタ 32"/>
@@ -7610,75 +7324,8 @@
         </p:nvCxnSpPr>
         <p:spPr>
           <a:xfrm>
-            <a:off x="4157029" y="1444032"/>
+            <a:off x="3995756" y="1599200"/>
             <a:ext cx="0" cy="200550"/>
-          </a:xfrm>
-          <a:prstGeom prst="straightConnector1">
-            <a:avLst/>
-          </a:prstGeom>
-          <a:ln>
-            <a:solidFill>
-              <a:srgbClr val="000000"/>
-            </a:solidFill>
-            <a:tailEnd type="arrow"/>
-          </a:ln>
-        </p:spPr>
-        <p:style>
-          <a:lnRef idx="2">
-            <a:schemeClr val="accent1"/>
-          </a:lnRef>
-          <a:fillRef idx="0">
-            <a:schemeClr val="accent1"/>
-          </a:fillRef>
-          <a:effectRef idx="1">
-            <a:schemeClr val="accent1"/>
-          </a:effectRef>
-          <a:fontRef idx="minor">
-            <a:schemeClr val="tx1"/>
-          </a:fontRef>
-        </p:style>
-      </p:cxnSp>
-      <p:sp>
-        <p:nvSpPr>
-          <p:cNvPr id="34" name="テキスト ボックス 33"/>
-          <p:cNvSpPr txBox="1"/>
-          <p:nvPr/>
-        </p:nvSpPr>
-        <p:spPr>
-          <a:xfrm>
-            <a:off x="3426294" y="4513594"/>
-            <a:ext cx="1481667" cy="246221"/>
-          </a:xfrm>
-          <a:prstGeom prst="rect">
-            <a:avLst/>
-          </a:prstGeom>
-          <a:noFill/>
-        </p:spPr>
-        <p:txBody>
-          <a:bodyPr wrap="square" rtlCol="0">
-            <a:spAutoFit/>
-          </a:bodyPr>
-          <a:lstStyle/>
-          <a:p>
-            <a:pPr algn="ctr"/>
-            <a:r>
-              <a:rPr kumimoji="1" lang="ja-JP" altLang="en-US" sz="1000" dirty="0" smtClean="0"/>
-              <a:t>探索完了</a:t>
-            </a:r>
-            <a:endParaRPr kumimoji="1" lang="ja-JP" altLang="en-US" sz="1000" dirty="0"/>
-          </a:p>
-        </p:txBody>
-      </p:sp>
-      <p:cxnSp>
-        <p:nvCxnSpPr>
-          <p:cNvPr id="35" name="直線矢印コネクタ 34"/>
-          <p:cNvCxnSpPr/>
-          <p:nvPr/>
-        </p:nvCxnSpPr>
-        <p:spPr>
-          <a:xfrm>
-            <a:off x="4157029" y="879009"/>
-            <a:ext cx="0" cy="162786"/>
           </a:xfrm>
           <a:prstGeom prst="straightConnector1">
             <a:avLst/>
@@ -7707,16 +7354,16 @@
       </p:cxnSp>
       <p:cxnSp>
         <p:nvCxnSpPr>
-          <p:cNvPr id="36" name="直線矢印コネクタ 35"/>
+          <p:cNvPr id="35" name="直線矢印コネクタ 34"/>
           <p:cNvCxnSpPr>
-            <a:stCxn id="39" idx="2"/>
+            <a:endCxn id="46" idx="1"/>
           </p:cNvCxnSpPr>
           <p:nvPr/>
         </p:nvCxnSpPr>
         <p:spPr>
-          <a:xfrm>
-            <a:off x="4176306" y="3438512"/>
-            <a:ext cx="129" cy="219606"/>
+          <a:xfrm flipV="1">
+            <a:off x="2007210" y="978498"/>
+            <a:ext cx="1609392" cy="77790"/>
           </a:xfrm>
           <a:prstGeom prst="straightConnector1">
             <a:avLst/>
@@ -7745,16 +7392,263 @@
       </p:cxnSp>
       <p:sp>
         <p:nvSpPr>
-          <p:cNvPr id="39" name="Shape 51"/>
+          <p:cNvPr id="75" name="テキスト ボックス 74"/>
+          <p:cNvSpPr txBox="1"/>
+          <p:nvPr/>
+        </p:nvSpPr>
+        <p:spPr>
+          <a:xfrm>
+            <a:off x="3743366" y="1352979"/>
+            <a:ext cx="535241" cy="246221"/>
+          </a:xfrm>
+          <a:prstGeom prst="rect">
+            <a:avLst/>
+          </a:prstGeom>
+          <a:noFill/>
+          <a:ln>
+            <a:solidFill>
+              <a:srgbClr val="000000"/>
+            </a:solidFill>
+          </a:ln>
+        </p:spPr>
+        <p:txBody>
+          <a:bodyPr wrap="square" rtlCol="0">
+            <a:spAutoFit/>
+          </a:bodyPr>
+          <a:lstStyle/>
+          <a:p>
+            <a:pPr algn="ctr"/>
+            <a:r>
+              <a:rPr kumimoji="1" lang="en-US" altLang="ja-JP" sz="1000" dirty="0" err="1" smtClean="0"/>
+              <a:t>θ</a:t>
+            </a:r>
+            <a:r>
+              <a:rPr kumimoji="1" lang="en-US" altLang="ja-JP" sz="1000" dirty="0" smtClean="0"/>
+              <a:t> = 1</a:t>
+            </a:r>
+            <a:endParaRPr kumimoji="1" lang="ja-JP" altLang="en-US" sz="1000" dirty="0"/>
+          </a:p>
+        </p:txBody>
+      </p:sp>
+      <p:sp>
+        <p:nvSpPr>
+          <p:cNvPr id="81" name="テキスト ボックス 80"/>
+          <p:cNvSpPr txBox="1"/>
+          <p:nvPr/>
+        </p:nvSpPr>
+        <p:spPr>
+          <a:xfrm>
+            <a:off x="3163992" y="4131849"/>
+            <a:ext cx="1714297" cy="215444"/>
+          </a:xfrm>
+          <a:prstGeom prst="rect">
+            <a:avLst/>
+          </a:prstGeom>
+          <a:noFill/>
+          <a:ln>
+            <a:solidFill>
+              <a:srgbClr val="000000"/>
+            </a:solidFill>
+          </a:ln>
+        </p:spPr>
+        <p:txBody>
+          <a:bodyPr wrap="square" rtlCol="0">
+            <a:spAutoFit/>
+          </a:bodyPr>
+          <a:lstStyle/>
+          <a:p>
+            <a:pPr algn="ctr"/>
+            <a:r>
+              <a:rPr kumimoji="1" lang="ja-JP" altLang="en-US" sz="800" dirty="0" smtClean="0"/>
+              <a:t>「</a:t>
+            </a:r>
+            <a:r>
+              <a:rPr kumimoji="1" lang="en-US" altLang="ja-JP" sz="800" dirty="0" err="1" smtClean="0"/>
+              <a:t>θ</a:t>
+            </a:r>
+            <a:r>
+              <a:rPr kumimoji="1" lang="ja-JP" altLang="en-US" sz="800" dirty="0" smtClean="0"/>
+              <a:t>番目にあります。」と表示</a:t>
+            </a:r>
+            <a:endParaRPr kumimoji="1" lang="ja-JP" altLang="en-US" sz="800" dirty="0"/>
+          </a:p>
+        </p:txBody>
+      </p:sp>
+      <p:sp>
+        <p:nvSpPr>
+          <p:cNvPr id="10" name="テキスト ボックス 9"/>
+          <p:cNvSpPr txBox="1"/>
+          <p:nvPr/>
+        </p:nvSpPr>
+        <p:spPr>
+          <a:xfrm>
+            <a:off x="3514764" y="2451981"/>
+            <a:ext cx="979114" cy="230832"/>
+          </a:xfrm>
+          <a:prstGeom prst="rect">
+            <a:avLst/>
+          </a:prstGeom>
+          <a:noFill/>
+          <a:ln>
+            <a:solidFill>
+              <a:srgbClr val="000000"/>
+            </a:solidFill>
+          </a:ln>
+        </p:spPr>
+        <p:txBody>
+          <a:bodyPr wrap="square" rtlCol="0">
+            <a:spAutoFit/>
+          </a:bodyPr>
+          <a:lstStyle/>
+          <a:p>
+            <a:pPr algn="ctr"/>
+            <a:r>
+              <a:rPr kumimoji="1" lang="en-US" altLang="ja-JP" sz="900" dirty="0" err="1" smtClean="0"/>
+              <a:t>θ</a:t>
+            </a:r>
+            <a:r>
+              <a:rPr kumimoji="1" lang="en-US" altLang="en-US" sz="900" dirty="0" smtClean="0"/>
+              <a:t> </a:t>
+            </a:r>
+            <a:r>
+              <a:rPr kumimoji="1" lang="ja-JP" altLang="en-US" sz="900" dirty="0" smtClean="0"/>
+              <a:t>＋</a:t>
+            </a:r>
+            <a:r>
+              <a:rPr kumimoji="1" lang="en-US" altLang="ja-JP" sz="900" dirty="0" smtClean="0"/>
+              <a:t> 1</a:t>
+            </a:r>
+            <a:endParaRPr kumimoji="1" lang="ja-JP" altLang="en-US" sz="900" dirty="0"/>
+          </a:p>
+        </p:txBody>
+      </p:sp>
+      <p:cxnSp>
+        <p:nvCxnSpPr>
+          <p:cNvPr id="42" name="直線矢印コネクタ 41"/>
+          <p:cNvCxnSpPr/>
+          <p:nvPr/>
+        </p:nvCxnSpPr>
+        <p:spPr>
+          <a:xfrm>
+            <a:off x="3986422" y="2682813"/>
+            <a:ext cx="0" cy="204747"/>
+          </a:xfrm>
+          <a:prstGeom prst="straightConnector1">
+            <a:avLst/>
+          </a:prstGeom>
+          <a:ln>
+            <a:solidFill>
+              <a:srgbClr val="000000"/>
+            </a:solidFill>
+            <a:tailEnd type="arrow"/>
+          </a:ln>
+        </p:spPr>
+        <p:style>
+          <a:lnRef idx="2">
+            <a:schemeClr val="accent1"/>
+          </a:lnRef>
+          <a:fillRef idx="0">
+            <a:schemeClr val="accent1"/>
+          </a:fillRef>
+          <a:effectRef idx="1">
+            <a:schemeClr val="accent1"/>
+          </a:effectRef>
+          <a:fontRef idx="minor">
+            <a:schemeClr val="tx1"/>
+          </a:fontRef>
+        </p:style>
+      </p:cxnSp>
+      <p:sp>
+        <p:nvSpPr>
+          <p:cNvPr id="38" name="テキスト ボックス 37"/>
+          <p:cNvSpPr txBox="1"/>
+          <p:nvPr/>
+        </p:nvSpPr>
+        <p:spPr>
+          <a:xfrm>
+            <a:off x="3042376" y="1808811"/>
+            <a:ext cx="2355732" cy="400110"/>
+          </a:xfrm>
+          <a:prstGeom prst="rect">
+            <a:avLst/>
+          </a:prstGeom>
+          <a:noFill/>
+          <a:ln>
+            <a:noFill/>
+          </a:ln>
+        </p:spPr>
+        <p:txBody>
+          <a:bodyPr wrap="square" rtlCol="0">
+            <a:spAutoFit/>
+          </a:bodyPr>
+          <a:lstStyle/>
+          <a:p>
+            <a:r>
+              <a:rPr kumimoji="1" lang="en-US" altLang="ja-JP" sz="1000" dirty="0" err="1" smtClean="0"/>
+              <a:t>θ</a:t>
+            </a:r>
+            <a:r>
+              <a:rPr kumimoji="1" lang="ja-JP" altLang="en-US" sz="1000" dirty="0" smtClean="0"/>
+              <a:t> </a:t>
+            </a:r>
+            <a:r>
+              <a:rPr kumimoji="1" lang="en-US" altLang="ja-JP" sz="1000" dirty="0" smtClean="0"/>
+              <a:t>=</a:t>
+            </a:r>
+            <a:r>
+              <a:rPr kumimoji="1" lang="ja-JP" altLang="en-US" sz="1000" dirty="0" smtClean="0"/>
+              <a:t> </a:t>
+            </a:r>
+            <a:r>
+              <a:rPr kumimoji="1" lang="en-US" altLang="ja-JP" sz="1000" dirty="0" err="1" smtClean="0"/>
+              <a:t>Σ</a:t>
+            </a:r>
+            <a:r>
+              <a:rPr kumimoji="1" lang="en-US" altLang="ja-JP" sz="1000" dirty="0" smtClean="0"/>
+              <a:t> </a:t>
+            </a:r>
+          </a:p>
+          <a:p>
+            <a:r>
+              <a:rPr kumimoji="1" lang="en-US" altLang="ja-JP" sz="1000" dirty="0" smtClean="0"/>
+              <a:t>(</a:t>
+            </a:r>
+            <a:r>
+              <a:rPr kumimoji="1" lang="en-US" altLang="ja-JP" sz="1000" dirty="0" err="1" smtClean="0"/>
+              <a:t>θ</a:t>
+            </a:r>
+            <a:r>
+              <a:rPr kumimoji="1" lang="ja-JP" altLang="en-US" sz="1000" dirty="0" smtClean="0"/>
+              <a:t>と</a:t>
+            </a:r>
+            <a:r>
+              <a:rPr kumimoji="1" lang="en-US" altLang="ja-JP" sz="1000" dirty="0" err="1" smtClean="0"/>
+              <a:t>Σ</a:t>
+            </a:r>
+            <a:r>
+              <a:rPr kumimoji="1" lang="ja-JP" altLang="en-US" sz="1000" dirty="0" smtClean="0"/>
+              <a:t>の値が同じになるまでループ</a:t>
+            </a:r>
+            <a:r>
+              <a:rPr kumimoji="1" lang="en-US" altLang="ja-JP" sz="1000" dirty="0" smtClean="0"/>
+              <a:t>)</a:t>
+            </a:r>
+            <a:endParaRPr kumimoji="1" lang="ja-JP" altLang="en-US" sz="1000" dirty="0"/>
+          </a:p>
+        </p:txBody>
+      </p:sp>
+      <p:sp>
+        <p:nvSpPr>
+          <p:cNvPr id="46" name="Shape 53"/>
           <p:cNvSpPr/>
           <p:nvPr/>
         </p:nvSpPr>
         <p:spPr>
           <a:xfrm>
-            <a:off x="3342749" y="3181552"/>
-            <a:ext cx="1667114" cy="256960"/>
-          </a:xfrm>
-          <a:prstGeom prst="flowChartDecision">
+            <a:off x="3616602" y="830309"/>
+            <a:ext cx="716137" cy="296377"/>
+          </a:xfrm>
+          <a:prstGeom prst="flowChartManualInput">
             <a:avLst/>
           </a:prstGeom>
           <a:noFill/>
@@ -7786,14 +7680,14 @@
       </p:sp>
       <p:sp>
         <p:nvSpPr>
-          <p:cNvPr id="40" name="テキスト ボックス 39"/>
+          <p:cNvPr id="20" name="テキスト ボックス 19"/>
           <p:cNvSpPr txBox="1"/>
           <p:nvPr/>
         </p:nvSpPr>
         <p:spPr>
           <a:xfrm>
-            <a:off x="3667597" y="3427286"/>
-            <a:ext cx="184666" cy="230832"/>
+            <a:off x="3648450" y="880465"/>
+            <a:ext cx="684289" cy="246221"/>
           </a:xfrm>
           <a:prstGeom prst="rect">
             <a:avLst/>
@@ -7806,28 +7700,260 @@
           </a:bodyPr>
           <a:lstStyle/>
           <a:p>
-            <a:endParaRPr kumimoji="1" lang="ja-JP" altLang="en-US" sz="900" dirty="0"/>
+            <a:r>
+              <a:rPr kumimoji="1" lang="en-US" altLang="ja-JP" sz="1000" dirty="0" err="1" smtClean="0"/>
+              <a:t>Σ</a:t>
+            </a:r>
+            <a:r>
+              <a:rPr kumimoji="1" lang="en-US" altLang="ja-JP" sz="1000" dirty="0" smtClean="0"/>
+              <a:t> </a:t>
+            </a:r>
+            <a:r>
+              <a:rPr kumimoji="1" lang="ja-JP" altLang="en-US" sz="1000" dirty="0" smtClean="0"/>
+              <a:t>を入力</a:t>
+            </a:r>
+            <a:endParaRPr kumimoji="1" lang="ja-JP" altLang="en-US" sz="1000" dirty="0"/>
           </a:p>
         </p:txBody>
       </p:sp>
       <p:cxnSp>
         <p:nvCxnSpPr>
-          <p:cNvPr id="41" name="直線コネクタ 40"/>
+          <p:cNvPr id="48" name="直線矢印コネクタ 47"/>
           <p:cNvCxnSpPr/>
           <p:nvPr/>
         </p:nvCxnSpPr>
         <p:spPr>
           <a:xfrm>
-            <a:off x="6598530" y="3345358"/>
-            <a:ext cx="0" cy="1291347"/>
-          </a:xfrm>
-          <a:prstGeom prst="line">
+            <a:off x="3995756" y="1152429"/>
+            <a:ext cx="0" cy="200550"/>
+          </a:xfrm>
+          <a:prstGeom prst="straightConnector1">
             <a:avLst/>
           </a:prstGeom>
           <a:ln>
             <a:solidFill>
               <a:srgbClr val="000000"/>
             </a:solidFill>
+            <a:tailEnd type="arrow"/>
+          </a:ln>
+        </p:spPr>
+        <p:style>
+          <a:lnRef idx="2">
+            <a:schemeClr val="accent1"/>
+          </a:lnRef>
+          <a:fillRef idx="0">
+            <a:schemeClr val="accent1"/>
+          </a:fillRef>
+          <a:effectRef idx="1">
+            <a:schemeClr val="accent1"/>
+          </a:effectRef>
+          <a:fontRef idx="minor">
+            <a:schemeClr val="tx1"/>
+          </a:fontRef>
+        </p:style>
+      </p:cxnSp>
+      <p:sp>
+        <p:nvSpPr>
+          <p:cNvPr id="50" name="テキスト ボックス 49"/>
+          <p:cNvSpPr txBox="1"/>
+          <p:nvPr/>
+        </p:nvSpPr>
+        <p:spPr>
+          <a:xfrm>
+            <a:off x="3971318" y="387784"/>
+            <a:ext cx="2280542" cy="307777"/>
+          </a:xfrm>
+          <a:prstGeom prst="rect">
+            <a:avLst/>
+          </a:prstGeom>
+          <a:noFill/>
+        </p:spPr>
+        <p:txBody>
+          <a:bodyPr wrap="none" rtlCol="0">
+            <a:spAutoFit/>
+          </a:bodyPr>
+          <a:lstStyle/>
+          <a:p>
+            <a:r>
+              <a:rPr kumimoji="1" lang="en-US" altLang="ja-JP" dirty="0" smtClean="0"/>
+              <a:t>(</a:t>
+            </a:r>
+            <a:r>
+              <a:rPr kumimoji="1" lang="en-US" altLang="ja-JP" dirty="0" err="1" smtClean="0"/>
+              <a:t>θ</a:t>
+            </a:r>
+            <a:r>
+              <a:rPr kumimoji="1" lang="ja-JP" altLang="en-US" dirty="0" smtClean="0"/>
+              <a:t>番目</a:t>
+            </a:r>
+            <a:r>
+              <a:rPr kumimoji="1" lang="en-US" altLang="ja-JP" dirty="0" smtClean="0"/>
+              <a:t> </a:t>
+            </a:r>
+            <a:r>
+              <a:rPr kumimoji="1" lang="ja-JP" altLang="en-US" dirty="0" smtClean="0"/>
+              <a:t>と探す値</a:t>
+            </a:r>
+            <a:r>
+              <a:rPr kumimoji="1" lang="en-US" altLang="ja-JP" dirty="0" smtClean="0"/>
+              <a:t> </a:t>
+            </a:r>
+            <a:r>
+              <a:rPr kumimoji="1" lang="en-US" altLang="ja-JP" dirty="0" err="1" smtClean="0"/>
+              <a:t>Σ</a:t>
+            </a:r>
+            <a:r>
+              <a:rPr kumimoji="1" lang="en-US" altLang="ja-JP" dirty="0" smtClean="0"/>
+              <a:t> </a:t>
+            </a:r>
+            <a:r>
+              <a:rPr kumimoji="1" lang="ja-JP" altLang="en-US" dirty="0" smtClean="0"/>
+              <a:t>の比較</a:t>
+            </a:r>
+            <a:r>
+              <a:rPr kumimoji="1" lang="en-US" altLang="ja-JP" dirty="0" smtClean="0"/>
+              <a:t>)</a:t>
+            </a:r>
+            <a:endParaRPr kumimoji="1" lang="ja-JP" altLang="en-US" dirty="0"/>
+          </a:p>
+        </p:txBody>
+      </p:sp>
+      <p:sp>
+        <p:nvSpPr>
+          <p:cNvPr id="56" name="テキスト ボックス 55"/>
+          <p:cNvSpPr txBox="1"/>
+          <p:nvPr/>
+        </p:nvSpPr>
+        <p:spPr>
+          <a:xfrm>
+            <a:off x="567122" y="373596"/>
+            <a:ext cx="3157360" cy="307777"/>
+          </a:xfrm>
+          <a:prstGeom prst="rect">
+            <a:avLst/>
+          </a:prstGeom>
+          <a:noFill/>
+        </p:spPr>
+        <p:txBody>
+          <a:bodyPr wrap="none" rtlCol="0">
+            <a:spAutoFit/>
+          </a:bodyPr>
+          <a:lstStyle/>
+          <a:p>
+            <a:r>
+              <a:rPr kumimoji="1" lang="en-US" altLang="ja-JP" dirty="0" smtClean="0"/>
+              <a:t>A[1]〜A[x]</a:t>
+            </a:r>
+            <a:r>
+              <a:rPr kumimoji="1" lang="ja-JP" altLang="en-US" dirty="0" smtClean="0"/>
+              <a:t>の配列があるとして。。。</a:t>
+            </a:r>
+            <a:endParaRPr kumimoji="1" lang="ja-JP" altLang="en-US" dirty="0"/>
+          </a:p>
+        </p:txBody>
+      </p:sp>
+      <p:sp>
+        <p:nvSpPr>
+          <p:cNvPr id="66" name="Shape 51"/>
+          <p:cNvSpPr/>
+          <p:nvPr/>
+        </p:nvSpPr>
+        <p:spPr>
+          <a:xfrm>
+            <a:off x="3533887" y="3441153"/>
+            <a:ext cx="951662" cy="384721"/>
+          </a:xfrm>
+          <a:prstGeom prst="flowChartDecision">
+            <a:avLst/>
+          </a:prstGeom>
+          <a:noFill/>
+          <a:ln w="9525" cap="flat" cmpd="sng">
+            <a:solidFill>
+              <a:srgbClr val="000000"/>
+            </a:solidFill>
+            <a:prstDash val="solid"/>
+            <a:round/>
+            <a:headEnd type="none" w="med" len="med"/>
+            <a:tailEnd type="none" w="med" len="med"/>
+          </a:ln>
+        </p:spPr>
+        <p:txBody>
+          <a:bodyPr lIns="91425" tIns="91425" rIns="91425" bIns="91425" anchor="ctr" anchorCtr="0">
+            <a:noAutofit/>
+          </a:bodyPr>
+          <a:lstStyle/>
+          <a:p>
+            <a:pPr>
+              <a:spcBef>
+                <a:spcPts val="0"/>
+              </a:spcBef>
+              <a:buNone/>
+            </a:pPr>
+            <a:endParaRPr/>
+          </a:p>
+        </p:txBody>
+      </p:sp>
+      <p:sp>
+        <p:nvSpPr>
+          <p:cNvPr id="57" name="テキスト ボックス 56"/>
+          <p:cNvSpPr txBox="1"/>
+          <p:nvPr/>
+        </p:nvSpPr>
+        <p:spPr>
+          <a:xfrm>
+            <a:off x="3743366" y="3490366"/>
+            <a:ext cx="521146" cy="276999"/>
+          </a:xfrm>
+          <a:prstGeom prst="rect">
+            <a:avLst/>
+          </a:prstGeom>
+          <a:noFill/>
+        </p:spPr>
+        <p:txBody>
+          <a:bodyPr wrap="none" rtlCol="0">
+            <a:spAutoFit/>
+          </a:bodyPr>
+          <a:lstStyle/>
+          <a:p>
+            <a:r>
+              <a:rPr kumimoji="1" lang="en-US" altLang="ja-JP" sz="1200" dirty="0" err="1" smtClean="0"/>
+              <a:t>θ</a:t>
+            </a:r>
+            <a:r>
+              <a:rPr kumimoji="1" lang="en-US" altLang="en-US" sz="1200" dirty="0" smtClean="0"/>
+              <a:t> </a:t>
+            </a:r>
+            <a:r>
+              <a:rPr kumimoji="1" lang="en-US" altLang="ja-JP" sz="1200" dirty="0" smtClean="0"/>
+              <a:t>≦ </a:t>
+            </a:r>
+            <a:r>
+              <a:rPr kumimoji="1" lang="en-US" altLang="en-US" sz="1200" dirty="0" smtClean="0"/>
+              <a:t>x</a:t>
+            </a:r>
+            <a:endParaRPr kumimoji="1" lang="ja-JP" altLang="en-US" sz="1200" dirty="0"/>
+          </a:p>
+        </p:txBody>
+      </p:sp>
+      <p:cxnSp>
+        <p:nvCxnSpPr>
+          <p:cNvPr id="68" name="直線矢印コネクタ 67"/>
+          <p:cNvCxnSpPr/>
+          <p:nvPr/>
+        </p:nvCxnSpPr>
+        <p:spPr>
+          <a:xfrm>
+            <a:off x="6870700" y="3655082"/>
+            <a:ext cx="0" cy="476767"/>
+          </a:xfrm>
+          <a:prstGeom prst="straightConnector1">
+            <a:avLst/>
+          </a:prstGeom>
+          <a:ln>
+            <a:solidFill>
+              <a:srgbClr val="000000"/>
+            </a:solidFill>
+            <a:tailEnd type="arrow"/>
           </a:ln>
         </p:spPr>
         <p:style>
@@ -7847,21 +7973,92 @@
       </p:cxnSp>
       <p:cxnSp>
         <p:nvCxnSpPr>
-          <p:cNvPr id="43" name="直線コネクタ 42"/>
+          <p:cNvPr id="62" name="直線コネクタ 61"/>
           <p:cNvCxnSpPr/>
           <p:nvPr/>
         </p:nvCxnSpPr>
         <p:spPr>
-          <a:xfrm>
-            <a:off x="5009863" y="3323414"/>
-            <a:ext cx="1588667" cy="0"/>
+          <a:xfrm flipV="1">
+            <a:off x="6870700" y="4351593"/>
+            <a:ext cx="0" cy="253916"/>
           </a:xfrm>
           <a:prstGeom prst="line">
             <a:avLst/>
           </a:prstGeom>
           <a:ln>
             <a:solidFill>
-              <a:srgbClr val="000000"/>
+              <a:schemeClr val="tx1"/>
+            </a:solidFill>
+          </a:ln>
+        </p:spPr>
+        <p:style>
+          <a:lnRef idx="2">
+            <a:schemeClr val="accent1"/>
+          </a:lnRef>
+          <a:fillRef idx="0">
+            <a:schemeClr val="accent1"/>
+          </a:fillRef>
+          <a:effectRef idx="1">
+            <a:schemeClr val="accent1"/>
+          </a:effectRef>
+          <a:fontRef idx="minor">
+            <a:schemeClr val="tx1"/>
+          </a:fontRef>
+        </p:style>
+      </p:cxnSp>
+      <p:sp>
+        <p:nvSpPr>
+          <p:cNvPr id="77" name="テキスト ボックス 76"/>
+          <p:cNvSpPr txBox="1"/>
+          <p:nvPr/>
+        </p:nvSpPr>
+        <p:spPr>
+          <a:xfrm>
+            <a:off x="6013551" y="4131849"/>
+            <a:ext cx="1714297" cy="215444"/>
+          </a:xfrm>
+          <a:prstGeom prst="rect">
+            <a:avLst/>
+          </a:prstGeom>
+          <a:noFill/>
+          <a:ln>
+            <a:solidFill>
+              <a:srgbClr val="000000"/>
+            </a:solidFill>
+          </a:ln>
+        </p:spPr>
+        <p:txBody>
+          <a:bodyPr wrap="square" rtlCol="0">
+            <a:spAutoFit/>
+          </a:bodyPr>
+          <a:lstStyle/>
+          <a:p>
+            <a:pPr algn="ctr"/>
+            <a:r>
+              <a:rPr kumimoji="1" lang="ja-JP" altLang="en-US" sz="800" dirty="0" smtClean="0"/>
+              <a:t>「存在しません。」と表示</a:t>
+            </a:r>
+            <a:endParaRPr kumimoji="1" lang="ja-JP" altLang="en-US" sz="800" dirty="0"/>
+          </a:p>
+        </p:txBody>
+      </p:sp>
+      <p:cxnSp>
+        <p:nvCxnSpPr>
+          <p:cNvPr id="78" name="直線コネクタ 77"/>
+          <p:cNvCxnSpPr/>
+          <p:nvPr/>
+        </p:nvCxnSpPr>
+        <p:spPr>
+          <a:xfrm>
+            <a:off x="4485465" y="3655082"/>
+            <a:ext cx="2385235" cy="0"/>
+          </a:xfrm>
+          <a:prstGeom prst="line">
+            <a:avLst/>
+          </a:prstGeom>
+          <a:ln>
+            <a:solidFill>
+              <a:schemeClr val="tx1"/>
             </a:solidFill>
           </a:ln>
         </p:spPr>
@@ -7882,566 +8079,14 @@
       </p:cxnSp>
       <p:cxnSp>
         <p:nvCxnSpPr>
-          <p:cNvPr id="51" name="直線矢印コネクタ 50"/>
-          <p:cNvCxnSpPr>
-            <a:endCxn id="31" idx="3"/>
-          </p:cNvCxnSpPr>
+          <p:cNvPr id="82" name="直線矢印コネクタ 81"/>
+          <p:cNvCxnSpPr/>
           <p:nvPr/>
         </p:nvCxnSpPr>
         <p:spPr>
-          <a:xfrm flipH="1">
-            <a:off x="4924519" y="4636705"/>
-            <a:ext cx="1674011" cy="0"/>
-          </a:xfrm>
-          <a:prstGeom prst="straightConnector1">
-            <a:avLst/>
-          </a:prstGeom>
-          <a:ln>
-            <a:solidFill>
-              <a:srgbClr val="000000"/>
-            </a:solidFill>
-            <a:tailEnd type="arrow"/>
-          </a:ln>
-        </p:spPr>
-        <p:style>
-          <a:lnRef idx="2">
-            <a:schemeClr val="accent1"/>
-          </a:lnRef>
-          <a:fillRef idx="0">
-            <a:schemeClr val="accent1"/>
-          </a:fillRef>
-          <a:effectRef idx="1">
-            <a:schemeClr val="accent1"/>
-          </a:effectRef>
-          <a:fontRef idx="minor">
-            <a:schemeClr val="tx1"/>
-          </a:fontRef>
-        </p:style>
-      </p:cxnSp>
-      <p:sp>
-        <p:nvSpPr>
-          <p:cNvPr id="63" name="テキスト ボックス 62"/>
-          <p:cNvSpPr txBox="1"/>
-          <p:nvPr/>
-        </p:nvSpPr>
-        <p:spPr>
-          <a:xfrm rot="1688155">
-            <a:off x="6365063" y="3045674"/>
-            <a:ext cx="466932" cy="261610"/>
-          </a:xfrm>
-          <a:prstGeom prst="rect">
-            <a:avLst/>
-          </a:prstGeom>
-          <a:noFill/>
-        </p:spPr>
-        <p:txBody>
-          <a:bodyPr wrap="none" rtlCol="0">
-            <a:spAutoFit/>
-          </a:bodyPr>
-          <a:lstStyle/>
-          <a:p>
-            <a:r>
-              <a:rPr kumimoji="1" lang="en-US" altLang="ja-JP" sz="1100" dirty="0" smtClean="0"/>
-              <a:t>YES</a:t>
-            </a:r>
-            <a:endParaRPr kumimoji="1" lang="ja-JP" altLang="en-US" sz="1100" dirty="0"/>
-          </a:p>
-        </p:txBody>
-      </p:sp>
-      <p:sp>
-        <p:nvSpPr>
-          <p:cNvPr id="64" name="テキスト ボックス 63"/>
-          <p:cNvSpPr txBox="1"/>
-          <p:nvPr/>
-        </p:nvSpPr>
-        <p:spPr>
-          <a:xfrm rot="20303379">
-            <a:off x="3771723" y="3407633"/>
-            <a:ext cx="386644" cy="253916"/>
-          </a:xfrm>
-          <a:prstGeom prst="rect">
-            <a:avLst/>
-          </a:prstGeom>
-          <a:noFill/>
-        </p:spPr>
-        <p:txBody>
-          <a:bodyPr wrap="none" rtlCol="0">
-            <a:spAutoFit/>
-          </a:bodyPr>
-          <a:lstStyle/>
-          <a:p>
-            <a:r>
-              <a:rPr kumimoji="1" lang="en-US" altLang="ja-JP" sz="1050" dirty="0" smtClean="0"/>
-              <a:t>NO</a:t>
-            </a:r>
-            <a:endParaRPr kumimoji="1" lang="ja-JP" altLang="en-US" sz="1050" dirty="0"/>
-          </a:p>
-        </p:txBody>
-      </p:sp>
-      <p:sp>
-        <p:nvSpPr>
-          <p:cNvPr id="71" name="テキスト ボックス 70"/>
-          <p:cNvSpPr txBox="1"/>
-          <p:nvPr/>
-        </p:nvSpPr>
-        <p:spPr>
-          <a:xfrm>
-            <a:off x="164056" y="3199500"/>
-            <a:ext cx="1441420" cy="307777"/>
-          </a:xfrm>
-          <a:prstGeom prst="rect">
-            <a:avLst/>
-          </a:prstGeom>
-          <a:noFill/>
-        </p:spPr>
-        <p:txBody>
-          <a:bodyPr wrap="none" rtlCol="0">
-            <a:spAutoFit/>
-          </a:bodyPr>
-          <a:lstStyle/>
-          <a:p>
-            <a:r>
-              <a:rPr kumimoji="1" lang="ja-JP" altLang="en-US" dirty="0" smtClean="0"/>
-              <a:t>条件分岐で比較</a:t>
-            </a:r>
-            <a:endParaRPr kumimoji="1" lang="ja-JP" altLang="en-US" dirty="0"/>
-          </a:p>
-        </p:txBody>
-      </p:sp>
-      <p:sp>
-        <p:nvSpPr>
-          <p:cNvPr id="72" name="テキスト ボックス 71"/>
-          <p:cNvSpPr txBox="1"/>
-          <p:nvPr/>
-        </p:nvSpPr>
-        <p:spPr>
-          <a:xfrm>
-            <a:off x="7896552" y="1290143"/>
-            <a:ext cx="1082348" cy="307777"/>
-          </a:xfrm>
-          <a:prstGeom prst="rect">
-            <a:avLst/>
-          </a:prstGeom>
-          <a:noFill/>
-        </p:spPr>
-        <p:txBody>
-          <a:bodyPr wrap="none" rtlCol="0">
-            <a:spAutoFit/>
-          </a:bodyPr>
-          <a:lstStyle/>
-          <a:p>
-            <a:r>
-              <a:rPr kumimoji="1" lang="ja-JP" altLang="en-US" dirty="0" smtClean="0"/>
-              <a:t>探す値設定</a:t>
-            </a:r>
-            <a:endParaRPr kumimoji="1" lang="ja-JP" altLang="en-US" dirty="0"/>
-          </a:p>
-        </p:txBody>
-      </p:sp>
-      <p:sp>
-        <p:nvSpPr>
-          <p:cNvPr id="75" name="テキスト ボックス 74"/>
-          <p:cNvSpPr txBox="1"/>
-          <p:nvPr/>
-        </p:nvSpPr>
-        <p:spPr>
-          <a:xfrm>
-            <a:off x="3191752" y="1068987"/>
-            <a:ext cx="2294648" cy="400110"/>
-          </a:xfrm>
-          <a:prstGeom prst="rect">
-            <a:avLst/>
-          </a:prstGeom>
-          <a:noFill/>
-          <a:ln>
-            <a:solidFill>
-              <a:srgbClr val="000000"/>
-            </a:solidFill>
-          </a:ln>
-        </p:spPr>
-        <p:txBody>
-          <a:bodyPr wrap="square" rtlCol="0">
-            <a:spAutoFit/>
-          </a:bodyPr>
-          <a:lstStyle/>
-          <a:p>
-            <a:r>
-              <a:rPr kumimoji="1" lang="ja-JP" altLang="en-US" sz="1000" dirty="0" smtClean="0"/>
-              <a:t>アルファベット「</a:t>
-            </a:r>
-            <a:r>
-              <a:rPr kumimoji="1" lang="en-US" altLang="ja-JP" sz="1000" dirty="0" err="1" smtClean="0"/>
-              <a:t>a〜z</a:t>
-            </a:r>
-            <a:r>
-              <a:rPr kumimoji="1" lang="ja-JP" altLang="en-US" sz="1000" dirty="0" smtClean="0"/>
-              <a:t>」をランダム</a:t>
-            </a:r>
-            <a:endParaRPr kumimoji="1" lang="en-US" altLang="ja-JP" sz="1000" dirty="0" smtClean="0"/>
-          </a:p>
-          <a:p>
-            <a:r>
-              <a:rPr kumimoji="1" lang="ja-JP" altLang="en-US" sz="1000" dirty="0" smtClean="0"/>
-              <a:t>な順番で文字列表記</a:t>
-            </a:r>
-            <a:endParaRPr kumimoji="1" lang="ja-JP" altLang="en-US" sz="1000" dirty="0"/>
-          </a:p>
-        </p:txBody>
-      </p:sp>
-      <p:cxnSp>
-        <p:nvCxnSpPr>
-          <p:cNvPr id="76" name="直線矢印コネクタ 75"/>
-          <p:cNvCxnSpPr/>
-          <p:nvPr/>
-        </p:nvCxnSpPr>
-        <p:spPr>
-          <a:xfrm>
-            <a:off x="4157029" y="1987077"/>
-            <a:ext cx="0" cy="200550"/>
-          </a:xfrm>
-          <a:prstGeom prst="straightConnector1">
-            <a:avLst/>
-          </a:prstGeom>
-          <a:ln>
-            <a:solidFill>
-              <a:srgbClr val="000000"/>
-            </a:solidFill>
-            <a:tailEnd type="arrow"/>
-          </a:ln>
-        </p:spPr>
-        <p:style>
-          <a:lnRef idx="2">
-            <a:schemeClr val="accent1"/>
-          </a:lnRef>
-          <a:fillRef idx="0">
-            <a:schemeClr val="accent1"/>
-          </a:fillRef>
-          <a:effectRef idx="1">
-            <a:schemeClr val="accent1"/>
-          </a:effectRef>
-          <a:fontRef idx="minor">
-            <a:schemeClr val="tx1"/>
-          </a:fontRef>
-        </p:style>
-      </p:cxnSp>
-      <p:sp>
-        <p:nvSpPr>
-          <p:cNvPr id="80" name="テキスト ボックス 79"/>
-          <p:cNvSpPr txBox="1"/>
-          <p:nvPr/>
-        </p:nvSpPr>
-        <p:spPr>
-          <a:xfrm>
-            <a:off x="-946259" y="1444031"/>
-            <a:ext cx="2954655" cy="738664"/>
-          </a:xfrm>
-          <a:prstGeom prst="rect">
-            <a:avLst/>
-          </a:prstGeom>
-          <a:noFill/>
-        </p:spPr>
-        <p:txBody>
-          <a:bodyPr wrap="none" rtlCol="0">
-            <a:spAutoFit/>
-          </a:bodyPr>
-          <a:lstStyle/>
-          <a:p>
-            <a:r>
-              <a:rPr kumimoji="1" lang="ja-JP" altLang="en-US" dirty="0" smtClean="0"/>
-              <a:t>どんな場合ループするの？</a:t>
-            </a:r>
-            <a:endParaRPr kumimoji="1" lang="en-US" altLang="ja-JP" dirty="0" smtClean="0"/>
-          </a:p>
-          <a:p>
-            <a:r>
-              <a:rPr kumimoji="1" lang="en-US" altLang="ja-JP" dirty="0"/>
-              <a:t>	</a:t>
-            </a:r>
-            <a:r>
-              <a:rPr kumimoji="1" lang="el-GR" altLang="ja-JP" dirty="0"/>
-              <a:t>Θ</a:t>
-            </a:r>
-            <a:r>
-              <a:rPr kumimoji="1" lang="ja-JP" altLang="en-US" dirty="0"/>
-              <a:t>と</a:t>
-            </a:r>
-            <a:r>
-              <a:rPr kumimoji="1" lang="en-US" altLang="ja-JP" dirty="0" err="1"/>
-              <a:t>γ</a:t>
-            </a:r>
-            <a:r>
-              <a:rPr kumimoji="1" lang="ja-JP" altLang="en-US" dirty="0"/>
-              <a:t>が等しくない場合</a:t>
-            </a:r>
-          </a:p>
-          <a:p>
-            <a:endParaRPr kumimoji="1" lang="en-US" altLang="ja-JP" dirty="0" smtClean="0"/>
-          </a:p>
-        </p:txBody>
-      </p:sp>
-      <p:sp>
-        <p:nvSpPr>
-          <p:cNvPr id="81" name="テキスト ボックス 80"/>
-          <p:cNvSpPr txBox="1"/>
-          <p:nvPr/>
-        </p:nvSpPr>
-        <p:spPr>
-          <a:xfrm>
-            <a:off x="3063098" y="1649148"/>
-            <a:ext cx="2423302" cy="338554"/>
-          </a:xfrm>
-          <a:prstGeom prst="rect">
-            <a:avLst/>
-          </a:prstGeom>
-          <a:noFill/>
-          <a:ln>
-            <a:solidFill>
-              <a:srgbClr val="000000"/>
-            </a:solidFill>
-          </a:ln>
-        </p:spPr>
-        <p:txBody>
-          <a:bodyPr wrap="square" rtlCol="0">
-            <a:spAutoFit/>
-          </a:bodyPr>
-          <a:lstStyle/>
-          <a:p>
-            <a:r>
-              <a:rPr kumimoji="1" lang="ja-JP" altLang="en-US" sz="800" dirty="0" smtClean="0"/>
-              <a:t>アルファベット</a:t>
-            </a:r>
-            <a:r>
-              <a:rPr kumimoji="1" lang="en-US" altLang="ja-JP" sz="800" dirty="0" err="1" smtClean="0"/>
-              <a:t>a〜z</a:t>
-            </a:r>
-            <a:r>
-              <a:rPr kumimoji="1" lang="ja-JP" altLang="en-US" sz="800" dirty="0" smtClean="0"/>
-              <a:t>のランダムな文字列を先頭から</a:t>
-            </a:r>
-            <a:r>
-              <a:rPr kumimoji="1" lang="en-US" altLang="ja-JP" sz="800" dirty="0" smtClean="0"/>
-              <a:t>θ1(</a:t>
-            </a:r>
-            <a:r>
-              <a:rPr kumimoji="1" lang="ja-JP" altLang="en-US" sz="800" dirty="0" smtClean="0"/>
-              <a:t>シータ</a:t>
-            </a:r>
-            <a:r>
-              <a:rPr kumimoji="1" lang="en-US" altLang="ja-JP" sz="800" dirty="0" smtClean="0"/>
-              <a:t>1)</a:t>
-            </a:r>
-            <a:r>
-              <a:rPr kumimoji="1" lang="ja-JP" altLang="en-US" sz="800" dirty="0" smtClean="0"/>
-              <a:t>から順に</a:t>
-            </a:r>
-            <a:r>
-              <a:rPr kumimoji="1" lang="en-US" altLang="ja-JP" sz="800" dirty="0" smtClean="0"/>
-              <a:t>θ26(</a:t>
-            </a:r>
-            <a:r>
-              <a:rPr kumimoji="1" lang="ja-JP" altLang="en-US" sz="800" dirty="0" smtClean="0"/>
-              <a:t>シータ</a:t>
-            </a:r>
-            <a:r>
-              <a:rPr kumimoji="1" lang="en-US" altLang="ja-JP" sz="800" dirty="0" smtClean="0"/>
-              <a:t>26)</a:t>
-            </a:r>
-            <a:r>
-              <a:rPr kumimoji="1" lang="ja-JP" altLang="en-US" sz="800" dirty="0" smtClean="0"/>
-              <a:t>と設定する</a:t>
-            </a:r>
-            <a:endParaRPr kumimoji="1" lang="ja-JP" altLang="en-US" sz="800" dirty="0"/>
-          </a:p>
-        </p:txBody>
-      </p:sp>
-      <p:sp>
-        <p:nvSpPr>
-          <p:cNvPr id="3" name="テキスト ボックス 2"/>
-          <p:cNvSpPr txBox="1"/>
-          <p:nvPr/>
-        </p:nvSpPr>
-        <p:spPr>
-          <a:xfrm>
-            <a:off x="7530045" y="3409627"/>
-            <a:ext cx="1706467" cy="276999"/>
-          </a:xfrm>
-          <a:prstGeom prst="rect">
-            <a:avLst/>
-          </a:prstGeom>
-          <a:noFill/>
-        </p:spPr>
-        <p:txBody>
-          <a:bodyPr wrap="none" rtlCol="0">
-            <a:spAutoFit/>
-          </a:bodyPr>
-          <a:lstStyle/>
-          <a:p>
-            <a:r>
-              <a:rPr kumimoji="1" lang="en-US" altLang="ja-JP" sz="1200" dirty="0" err="1" smtClean="0"/>
-              <a:t>γ</a:t>
-            </a:r>
-            <a:r>
-              <a:rPr kumimoji="1" lang="en-US" altLang="ja-JP" sz="1200" dirty="0" smtClean="0"/>
-              <a:t> (</a:t>
-            </a:r>
-            <a:r>
-              <a:rPr kumimoji="1" lang="ja-JP" altLang="en-US" sz="1200" dirty="0" smtClean="0"/>
-              <a:t>ガンマ</a:t>
-            </a:r>
-            <a:r>
-              <a:rPr kumimoji="1" lang="en-US" altLang="ja-JP" sz="1200" dirty="0" smtClean="0"/>
-              <a:t>) = </a:t>
-            </a:r>
-            <a:r>
-              <a:rPr kumimoji="1" lang="en-US" altLang="ja-JP" sz="1200" dirty="0" err="1" smtClean="0"/>
-              <a:t>θ</a:t>
-            </a:r>
-            <a:r>
-              <a:rPr kumimoji="1" lang="en-US" altLang="ja-JP" sz="1200" dirty="0" smtClean="0"/>
-              <a:t>(</a:t>
-            </a:r>
-            <a:r>
-              <a:rPr kumimoji="1" lang="ja-JP" altLang="en-US" sz="1200" dirty="0" smtClean="0"/>
-              <a:t>シータ</a:t>
-            </a:r>
-            <a:r>
-              <a:rPr kumimoji="1" lang="en-US" altLang="ja-JP" sz="1200" dirty="0" smtClean="0"/>
-              <a:t>)</a:t>
-            </a:r>
-            <a:endParaRPr kumimoji="1" lang="ja-JP" altLang="en-US" sz="1200" dirty="0"/>
-          </a:p>
-        </p:txBody>
-      </p:sp>
-      <p:sp>
-        <p:nvSpPr>
-          <p:cNvPr id="10" name="テキスト ボックス 9"/>
-          <p:cNvSpPr txBox="1"/>
-          <p:nvPr/>
-        </p:nvSpPr>
-        <p:spPr>
-          <a:xfrm>
-            <a:off x="3696653" y="2707434"/>
-            <a:ext cx="1043876" cy="230832"/>
-          </a:xfrm>
-          <a:prstGeom prst="rect">
-            <a:avLst/>
-          </a:prstGeom>
-          <a:noFill/>
-          <a:ln>
-            <a:solidFill>
-              <a:srgbClr val="000000"/>
-            </a:solidFill>
-          </a:ln>
-        </p:spPr>
-        <p:txBody>
-          <a:bodyPr wrap="none" rtlCol="0">
-            <a:spAutoFit/>
-          </a:bodyPr>
-          <a:lstStyle/>
-          <a:p>
-            <a:r>
-              <a:rPr kumimoji="1" lang="el-GR" altLang="ja-JP" sz="900" dirty="0" smtClean="0"/>
-              <a:t>Θ</a:t>
-            </a:r>
-            <a:r>
-              <a:rPr kumimoji="1" lang="en-US" altLang="ja-JP" sz="900" dirty="0" smtClean="0"/>
-              <a:t>()</a:t>
-            </a:r>
-            <a:r>
-              <a:rPr kumimoji="1" lang="ja-JP" altLang="en-US" sz="900" dirty="0" smtClean="0"/>
-              <a:t>の文字を表記</a:t>
-            </a:r>
-            <a:endParaRPr kumimoji="1" lang="ja-JP" altLang="en-US" sz="900" dirty="0"/>
-          </a:p>
-        </p:txBody>
-      </p:sp>
-      <p:sp>
-        <p:nvSpPr>
-          <p:cNvPr id="12" name="テキスト ボックス 11"/>
-          <p:cNvSpPr txBox="1"/>
-          <p:nvPr/>
-        </p:nvSpPr>
-        <p:spPr>
-          <a:xfrm>
-            <a:off x="3795471" y="3195353"/>
-            <a:ext cx="832279" cy="230832"/>
-          </a:xfrm>
-          <a:prstGeom prst="rect">
-            <a:avLst/>
-          </a:prstGeom>
-          <a:noFill/>
-        </p:spPr>
-        <p:txBody>
-          <a:bodyPr wrap="none" rtlCol="0">
-            <a:spAutoFit/>
-          </a:bodyPr>
-          <a:lstStyle/>
-          <a:p>
-            <a:r>
-              <a:rPr kumimoji="1" lang="en-US" altLang="ja-JP" sz="900" dirty="0" err="1" smtClean="0"/>
-              <a:t>γ</a:t>
-            </a:r>
-            <a:r>
-              <a:rPr kumimoji="1" lang="ja-JP" altLang="en-US" sz="900" dirty="0" smtClean="0"/>
-              <a:t>と同じ値？</a:t>
-            </a:r>
-            <a:endParaRPr kumimoji="1" lang="ja-JP" altLang="en-US" sz="900" dirty="0"/>
-          </a:p>
-        </p:txBody>
-      </p:sp>
-      <p:sp>
-        <p:nvSpPr>
-          <p:cNvPr id="13" name="テキスト ボックス 12"/>
-          <p:cNvSpPr txBox="1"/>
-          <p:nvPr/>
-        </p:nvSpPr>
-        <p:spPr>
-          <a:xfrm>
-            <a:off x="3724900" y="3658118"/>
-            <a:ext cx="902811" cy="246221"/>
-          </a:xfrm>
-          <a:prstGeom prst="rect">
-            <a:avLst/>
-          </a:prstGeom>
-          <a:noFill/>
-          <a:ln>
-            <a:solidFill>
-              <a:srgbClr val="000000"/>
-            </a:solidFill>
-          </a:ln>
-        </p:spPr>
-        <p:txBody>
-          <a:bodyPr wrap="none" rtlCol="0">
-            <a:spAutoFit/>
-          </a:bodyPr>
-          <a:lstStyle/>
-          <a:p>
-            <a:r>
-              <a:rPr kumimoji="1" lang="ja-JP" altLang="en-US" sz="1000" dirty="0" smtClean="0"/>
-              <a:t>次の</a:t>
-            </a:r>
-            <a:r>
-              <a:rPr kumimoji="1" lang="en-US" altLang="ja-JP" sz="1000" dirty="0" err="1" smtClean="0"/>
-              <a:t>θ</a:t>
-            </a:r>
-            <a:r>
-              <a:rPr kumimoji="1" lang="ja-JP" altLang="en-US" sz="1000" dirty="0" smtClean="0"/>
-              <a:t>に移動</a:t>
-            </a:r>
-            <a:endParaRPr kumimoji="1" lang="ja-JP" altLang="en-US" sz="1000" dirty="0"/>
-          </a:p>
-        </p:txBody>
-      </p:sp>
-      <p:cxnSp>
-        <p:nvCxnSpPr>
-          <p:cNvPr id="42" name="直線矢印コネクタ 41"/>
-          <p:cNvCxnSpPr/>
-          <p:nvPr/>
-        </p:nvCxnSpPr>
-        <p:spPr>
-          <a:xfrm>
-            <a:off x="4169350" y="2951037"/>
-            <a:ext cx="0" cy="204747"/>
+          <a:xfrm flipH="1" flipV="1">
+            <a:off x="4051773" y="4596234"/>
+            <a:ext cx="2818927" cy="9275"/>
           </a:xfrm>
           <a:prstGeom prst="straightConnector1">
             <a:avLst/>
@@ -8470,14 +8115,16 @@
       </p:cxnSp>
       <p:cxnSp>
         <p:nvCxnSpPr>
-          <p:cNvPr id="52" name="直線矢印コネクタ 51"/>
-          <p:cNvCxnSpPr/>
+          <p:cNvPr id="86" name="直線矢印コネクタ 85"/>
+          <p:cNvCxnSpPr>
+            <a:endCxn id="66" idx="0"/>
+          </p:cNvCxnSpPr>
           <p:nvPr/>
         </p:nvCxnSpPr>
         <p:spPr>
           <a:xfrm>
-            <a:off x="4167128" y="4309992"/>
-            <a:ext cx="0" cy="231463"/>
+            <a:off x="4001320" y="3233579"/>
+            <a:ext cx="8398" cy="207574"/>
           </a:xfrm>
           <a:prstGeom prst="straightConnector1">
             <a:avLst/>
@@ -8506,14 +8153,14 @@
       </p:cxnSp>
       <p:sp>
         <p:nvSpPr>
-          <p:cNvPr id="38" name="テキスト ボックス 37"/>
+          <p:cNvPr id="88" name="テキスト ボックス 87"/>
           <p:cNvSpPr txBox="1"/>
           <p:nvPr/>
         </p:nvSpPr>
         <p:spPr>
           <a:xfrm>
-            <a:off x="3073125" y="2187627"/>
-            <a:ext cx="2236823" cy="246221"/>
+            <a:off x="3597671" y="3812380"/>
+            <a:ext cx="454102" cy="253916"/>
           </a:xfrm>
           <a:prstGeom prst="rect">
             <a:avLst/>
@@ -8527,31 +8174,23 @@
           <a:lstStyle/>
           <a:p>
             <a:r>
-              <a:rPr kumimoji="1" lang="el-GR" altLang="ja-JP" sz="1000" dirty="0" smtClean="0"/>
-              <a:t>Θ</a:t>
-            </a:r>
-            <a:r>
-              <a:rPr kumimoji="1" lang="en-US" altLang="ja-JP" sz="1000" dirty="0" smtClean="0"/>
-              <a:t>1〜θ26</a:t>
-            </a:r>
-            <a:r>
-              <a:rPr kumimoji="1" lang="ja-JP" altLang="en-US" sz="1000" dirty="0" smtClean="0"/>
-              <a:t>を先頭から取り出して比較</a:t>
-            </a:r>
-            <a:endParaRPr kumimoji="1" lang="ja-JP" altLang="en-US" sz="1000" dirty="0"/>
-          </a:p>
-        </p:txBody>
-      </p:sp>
-      <p:sp>
-        <p:nvSpPr>
-          <p:cNvPr id="53" name="テキスト ボックス 52"/>
+              <a:rPr kumimoji="1" lang="en-US" altLang="ja-JP" sz="1050" dirty="0" smtClean="0"/>
+              <a:t>YES</a:t>
+            </a:r>
+            <a:endParaRPr kumimoji="1" lang="ja-JP" altLang="en-US" sz="1050" dirty="0"/>
+          </a:p>
+        </p:txBody>
+      </p:sp>
+      <p:sp>
+        <p:nvSpPr>
+          <p:cNvPr id="89" name="テキスト ボックス 88"/>
           <p:cNvSpPr txBox="1"/>
           <p:nvPr/>
         </p:nvSpPr>
         <p:spPr>
-          <a:xfrm>
-            <a:off x="7650785" y="2100137"/>
-            <a:ext cx="1771301" cy="523220"/>
+          <a:xfrm rot="450976">
+            <a:off x="6672569" y="3419470"/>
+            <a:ext cx="396262" cy="261610"/>
           </a:xfrm>
           <a:prstGeom prst="rect">
             <a:avLst/>
@@ -8565,100 +8204,10 @@
           <a:lstStyle/>
           <a:p>
             <a:r>
-              <a:rPr kumimoji="1" lang="ja-JP" altLang="en-US" dirty="0" smtClean="0"/>
-              <a:t>例</a:t>
-            </a:r>
-            <a:r>
-              <a:rPr kumimoji="1" lang="en-US" altLang="ja-JP" dirty="0" smtClean="0"/>
-              <a:t>)</a:t>
-            </a:r>
-            <a:r>
-              <a:rPr kumimoji="1" lang="ja-JP" altLang="en-US" dirty="0" smtClean="0"/>
-              <a:t>　</a:t>
-            </a:r>
-            <a:r>
-              <a:rPr kumimoji="1" lang="en-US" altLang="ja-JP" dirty="0" smtClean="0"/>
-              <a:t>①θ1=f ②θ2=b</a:t>
-            </a:r>
-            <a:endParaRPr kumimoji="1" lang="en-US" altLang="ja-JP" dirty="0"/>
-          </a:p>
-          <a:p>
-            <a:r>
-              <a:rPr kumimoji="1" lang="ja-JP" altLang="en-US" dirty="0" smtClean="0"/>
-              <a:t>みたいな感じ</a:t>
-            </a:r>
-            <a:endParaRPr kumimoji="1" lang="ja-JP" altLang="en-US" dirty="0"/>
-          </a:p>
-        </p:txBody>
-      </p:sp>
-      <p:sp>
-        <p:nvSpPr>
-          <p:cNvPr id="59" name="テキスト ボックス 58"/>
-          <p:cNvSpPr txBox="1"/>
-          <p:nvPr/>
-        </p:nvSpPr>
-        <p:spPr>
-          <a:xfrm>
-            <a:off x="-1021913" y="3926534"/>
-            <a:ext cx="2837824" cy="523220"/>
-          </a:xfrm>
-          <a:prstGeom prst="rect">
-            <a:avLst/>
-          </a:prstGeom>
-          <a:noFill/>
-        </p:spPr>
-        <p:txBody>
-          <a:bodyPr wrap="none" rtlCol="0">
-            <a:spAutoFit/>
-          </a:bodyPr>
-          <a:lstStyle/>
-          <a:p>
-            <a:r>
-              <a:rPr kumimoji="1" lang="ja-JP" altLang="en-US" dirty="0" smtClean="0"/>
-              <a:t>ループ分違うか。。。</a:t>
-            </a:r>
-            <a:endParaRPr kumimoji="1" lang="en-US" altLang="ja-JP" dirty="0" smtClean="0"/>
-          </a:p>
-          <a:p>
-            <a:r>
-              <a:rPr kumimoji="1" lang="el-GR" altLang="ja-JP" dirty="0" smtClean="0"/>
-              <a:t>Θ</a:t>
-            </a:r>
-            <a:r>
-              <a:rPr kumimoji="1" lang="ja-JP" altLang="en-US" dirty="0" smtClean="0"/>
-              <a:t>を順に表示する設定ないか。。</a:t>
-            </a:r>
-            <a:endParaRPr kumimoji="1" lang="ja-JP" altLang="en-US" dirty="0"/>
-          </a:p>
-        </p:txBody>
-      </p:sp>
-      <p:sp>
-        <p:nvSpPr>
-          <p:cNvPr id="2" name="テキスト ボックス 1"/>
-          <p:cNvSpPr txBox="1"/>
-          <p:nvPr/>
-        </p:nvSpPr>
-        <p:spPr>
-          <a:xfrm>
-            <a:off x="5606771" y="550126"/>
-            <a:ext cx="2518638" cy="307777"/>
-          </a:xfrm>
-          <a:prstGeom prst="rect">
-            <a:avLst/>
-          </a:prstGeom>
-          <a:noFill/>
-        </p:spPr>
-        <p:txBody>
-          <a:bodyPr wrap="none" rtlCol="0">
-            <a:spAutoFit/>
-          </a:bodyPr>
-          <a:lstStyle/>
-          <a:p>
-            <a:r>
-              <a:rPr kumimoji="1" lang="ja-JP" altLang="en-US" dirty="0" smtClean="0"/>
-              <a:t>アルファベット文字列の場合</a:t>
-            </a:r>
-            <a:endParaRPr kumimoji="1" lang="ja-JP" altLang="en-US" dirty="0"/>
+              <a:rPr kumimoji="1" lang="en-US" altLang="ja-JP" sz="1100" dirty="0" smtClean="0"/>
+              <a:t>NO</a:t>
+            </a:r>
+            <a:endParaRPr kumimoji="1" lang="ja-JP" altLang="en-US" sz="1100" dirty="0"/>
           </a:p>
         </p:txBody>
       </p:sp>
@@ -8700,7 +8249,7 @@
         </p:nvSpPr>
         <p:spPr>
           <a:xfrm>
-            <a:off x="0" y="56551"/>
+            <a:off x="0" y="-121788"/>
             <a:ext cx="9144000" cy="565749"/>
           </a:xfrm>
           <a:prstGeom prst="rect">
@@ -8719,11 +8268,19 @@
           <a:p>
             <a:pPr algn="ctr"/>
             <a:r>
-              <a:rPr lang="ja" sz="1800" b="1" dirty="0" smtClean="0"/>
+              <a:rPr lang="ja" sz="1800" b="1" dirty="0" smtClean="0">
+                <a:solidFill>
+                  <a:srgbClr val="FF0000"/>
+                </a:solidFill>
+              </a:rPr>
               <a:t>課題</a:t>
             </a:r>
             <a:r>
-              <a:rPr lang="ja-JP" altLang="en-US" sz="1800" b="1" dirty="0" smtClean="0"/>
+              <a:rPr lang="ja-JP" altLang="en-US" sz="1800" b="1" dirty="0" smtClean="0">
+                <a:solidFill>
+                  <a:srgbClr val="FF0000"/>
+                </a:solidFill>
+              </a:rPr>
               <a:t>１３</a:t>
             </a:r>
             <a:r>
@@ -8767,8 +8324,8 @@
         </p:nvSpPr>
         <p:spPr>
           <a:xfrm>
-            <a:off x="1068072" y="553798"/>
-            <a:ext cx="1367632" cy="318661"/>
+            <a:off x="3419742" y="279777"/>
+            <a:ext cx="1367632" cy="240923"/>
           </a:xfrm>
           <a:prstGeom prst="flowChartTerminator">
             <a:avLst/>
@@ -8808,7 +8365,7 @@
         </p:nvSpPr>
         <p:spPr>
           <a:xfrm>
-            <a:off x="1398538" y="484156"/>
+            <a:off x="3761116" y="187530"/>
             <a:ext cx="683475" cy="400110"/>
           </a:xfrm>
           <a:prstGeom prst="rect">
@@ -8838,8 +8395,8 @@
         </p:nvSpPr>
         <p:spPr>
           <a:xfrm>
-            <a:off x="3371681" y="5596484"/>
-            <a:ext cx="1367632" cy="229522"/>
+            <a:off x="3419742" y="4852543"/>
+            <a:ext cx="1367632" cy="291890"/>
           </a:xfrm>
           <a:prstGeom prst="flowChartTerminator">
             <a:avLst/>
@@ -8879,7 +8436,7 @@
         </p:nvSpPr>
         <p:spPr>
           <a:xfrm>
-            <a:off x="3753839" y="5501098"/>
+            <a:off x="3803945" y="4753628"/>
             <a:ext cx="612593" cy="400110"/>
           </a:xfrm>
           <a:prstGeom prst="rect">
@@ -8908,9 +8465,597 @@
           <p:nvPr/>
         </p:nvCxnSpPr>
         <p:spPr>
-          <a:xfrm flipV="1">
-            <a:off x="2435704" y="736786"/>
-            <a:ext cx="862638" cy="2"/>
+          <a:xfrm>
+            <a:off x="4076023" y="1012089"/>
+            <a:ext cx="0" cy="190685"/>
+          </a:xfrm>
+          <a:prstGeom prst="straightConnector1">
+            <a:avLst/>
+          </a:prstGeom>
+          <a:ln>
+            <a:solidFill>
+              <a:srgbClr val="000000"/>
+            </a:solidFill>
+            <a:tailEnd type="arrow"/>
+          </a:ln>
+        </p:spPr>
+        <p:style>
+          <a:lnRef idx="2">
+            <a:schemeClr val="accent1"/>
+          </a:lnRef>
+          <a:fillRef idx="0">
+            <a:schemeClr val="accent1"/>
+          </a:fillRef>
+          <a:effectRef idx="1">
+            <a:schemeClr val="accent1"/>
+          </a:effectRef>
+          <a:fontRef idx="minor">
+            <a:schemeClr val="tx1"/>
+          </a:fontRef>
+        </p:style>
+      </p:cxnSp>
+      <p:sp>
+        <p:nvSpPr>
+          <p:cNvPr id="12" name="テキスト ボックス 11"/>
+          <p:cNvSpPr txBox="1"/>
+          <p:nvPr/>
+        </p:nvSpPr>
+        <p:spPr>
+          <a:xfrm>
+            <a:off x="3861512" y="3041662"/>
+            <a:ext cx="468546" cy="230832"/>
+          </a:xfrm>
+          <a:prstGeom prst="rect">
+            <a:avLst/>
+          </a:prstGeom>
+          <a:noFill/>
+          <a:ln>
+            <a:solidFill>
+              <a:srgbClr val="000000"/>
+            </a:solidFill>
+          </a:ln>
+        </p:spPr>
+        <p:txBody>
+          <a:bodyPr wrap="square" rtlCol="0">
+            <a:spAutoFit/>
+          </a:bodyPr>
+          <a:lstStyle/>
+          <a:p>
+            <a:pPr algn="ctr"/>
+            <a:r>
+              <a:rPr kumimoji="1" lang="en-US" altLang="ja-JP" sz="900" dirty="0"/>
+              <a:t>y</a:t>
+            </a:r>
+            <a:r>
+              <a:rPr kumimoji="1" lang="en-US" altLang="ja-JP" sz="900" dirty="0" smtClean="0"/>
+              <a:t>+1</a:t>
+            </a:r>
+            <a:endParaRPr kumimoji="1" lang="ja-JP" altLang="en-US" sz="900" dirty="0"/>
+          </a:p>
+        </p:txBody>
+      </p:sp>
+      <p:sp>
+        <p:nvSpPr>
+          <p:cNvPr id="13" name="フローチャート: 手作業 12"/>
+          <p:cNvSpPr/>
+          <p:nvPr/>
+        </p:nvSpPr>
+        <p:spPr>
+          <a:xfrm rot="10800000">
+            <a:off x="3578439" y="799562"/>
+            <a:ext cx="1019411" cy="212526"/>
+          </a:xfrm>
+          <a:prstGeom prst="flowChartManualOperation">
+            <a:avLst/>
+          </a:prstGeom>
+          <a:noFill/>
+          <a:ln>
+            <a:solidFill>
+              <a:srgbClr val="000000"/>
+            </a:solidFill>
+          </a:ln>
+        </p:spPr>
+        <p:style>
+          <a:lnRef idx="1">
+            <a:schemeClr val="accent1"/>
+          </a:lnRef>
+          <a:fillRef idx="3">
+            <a:schemeClr val="accent1"/>
+          </a:fillRef>
+          <a:effectRef idx="2">
+            <a:schemeClr val="accent1"/>
+          </a:effectRef>
+          <a:fontRef idx="minor">
+            <a:schemeClr val="lt1"/>
+          </a:fontRef>
+        </p:style>
+        <p:txBody>
+          <a:bodyPr/>
+          <a:lstStyle/>
+          <a:p>
+            <a:endParaRPr lang="ja-JP" altLang="en-US"/>
+          </a:p>
+        </p:txBody>
+      </p:sp>
+      <p:sp>
+        <p:nvSpPr>
+          <p:cNvPr id="14" name="フローチャート: 手作業 13"/>
+          <p:cNvSpPr/>
+          <p:nvPr/>
+        </p:nvSpPr>
+        <p:spPr>
+          <a:xfrm>
+            <a:off x="3578439" y="3516576"/>
+            <a:ext cx="1021319" cy="208988"/>
+          </a:xfrm>
+          <a:prstGeom prst="flowChartManualOperation">
+            <a:avLst/>
+          </a:prstGeom>
+          <a:noFill/>
+          <a:ln>
+            <a:solidFill>
+              <a:srgbClr val="000000"/>
+            </a:solidFill>
+          </a:ln>
+        </p:spPr>
+        <p:style>
+          <a:lnRef idx="1">
+            <a:schemeClr val="accent1"/>
+          </a:lnRef>
+          <a:fillRef idx="3">
+            <a:schemeClr val="accent1"/>
+          </a:fillRef>
+          <a:effectRef idx="2">
+            <a:schemeClr val="accent1"/>
+          </a:effectRef>
+          <a:fontRef idx="minor">
+            <a:schemeClr val="lt1"/>
+          </a:fontRef>
+        </p:style>
+        <p:txBody>
+          <a:bodyPr/>
+          <a:lstStyle/>
+          <a:p>
+            <a:endParaRPr lang="ja-JP" altLang="en-US"/>
+          </a:p>
+        </p:txBody>
+      </p:sp>
+      <p:sp>
+        <p:nvSpPr>
+          <p:cNvPr id="20" name="Shape 51"/>
+          <p:cNvSpPr/>
+          <p:nvPr/>
+        </p:nvSpPr>
+        <p:spPr>
+          <a:xfrm>
+            <a:off x="3083402" y="2107566"/>
+            <a:ext cx="2015065" cy="349941"/>
+          </a:xfrm>
+          <a:prstGeom prst="flowChartDecision">
+            <a:avLst/>
+          </a:prstGeom>
+          <a:noFill/>
+          <a:ln w="9525" cap="flat" cmpd="sng">
+            <a:solidFill>
+              <a:srgbClr val="000000"/>
+            </a:solidFill>
+            <a:prstDash val="solid"/>
+            <a:round/>
+            <a:headEnd type="none" w="med" len="med"/>
+            <a:tailEnd type="none" w="med" len="med"/>
+          </a:ln>
+        </p:spPr>
+        <p:txBody>
+          <a:bodyPr lIns="91425" tIns="91425" rIns="91425" bIns="91425" anchor="ctr" anchorCtr="0">
+            <a:noAutofit/>
+          </a:bodyPr>
+          <a:lstStyle/>
+          <a:p>
+            <a:pPr>
+              <a:spcBef>
+                <a:spcPts val="0"/>
+              </a:spcBef>
+              <a:buNone/>
+            </a:pPr>
+            <a:endParaRPr/>
+          </a:p>
+        </p:txBody>
+      </p:sp>
+      <p:sp>
+        <p:nvSpPr>
+          <p:cNvPr id="27" name="テキスト ボックス 26"/>
+          <p:cNvSpPr txBox="1"/>
+          <p:nvPr/>
+        </p:nvSpPr>
+        <p:spPr>
+          <a:xfrm>
+            <a:off x="3833579" y="3942474"/>
+            <a:ext cx="495611" cy="246221"/>
+          </a:xfrm>
+          <a:prstGeom prst="rect">
+            <a:avLst/>
+          </a:prstGeom>
+          <a:noFill/>
+          <a:ln>
+            <a:solidFill>
+              <a:srgbClr val="000000"/>
+            </a:solidFill>
+          </a:ln>
+        </p:spPr>
+        <p:txBody>
+          <a:bodyPr wrap="square" rtlCol="0">
+            <a:spAutoFit/>
+          </a:bodyPr>
+          <a:lstStyle/>
+          <a:p>
+            <a:pPr algn="ctr"/>
+            <a:r>
+              <a:rPr kumimoji="1" lang="en-US" altLang="ja-JP" sz="1000" dirty="0" smtClean="0"/>
+              <a:t>x -1</a:t>
+            </a:r>
+            <a:endParaRPr kumimoji="1" lang="ja-JP" altLang="en-US" sz="1000" dirty="0"/>
+          </a:p>
+        </p:txBody>
+      </p:sp>
+      <p:sp>
+        <p:nvSpPr>
+          <p:cNvPr id="29" name="テキスト ボックス 28"/>
+          <p:cNvSpPr txBox="1"/>
+          <p:nvPr/>
+        </p:nvSpPr>
+        <p:spPr>
+          <a:xfrm>
+            <a:off x="3833579" y="1207737"/>
+            <a:ext cx="495611" cy="246221"/>
+          </a:xfrm>
+          <a:prstGeom prst="rect">
+            <a:avLst/>
+          </a:prstGeom>
+          <a:noFill/>
+          <a:ln>
+            <a:solidFill>
+              <a:srgbClr val="000000"/>
+            </a:solidFill>
+          </a:ln>
+        </p:spPr>
+        <p:txBody>
+          <a:bodyPr wrap="square" rtlCol="0">
+            <a:spAutoFit/>
+          </a:bodyPr>
+          <a:lstStyle/>
+          <a:p>
+            <a:r>
+              <a:rPr kumimoji="1" lang="en-US" altLang="ja-JP" sz="1000" dirty="0"/>
+              <a:t>y</a:t>
+            </a:r>
+            <a:r>
+              <a:rPr kumimoji="1" lang="en-US" altLang="ja-JP" sz="1000" dirty="0" smtClean="0"/>
+              <a:t> = 1</a:t>
+            </a:r>
+            <a:endParaRPr kumimoji="1" lang="ja-JP" altLang="en-US" sz="1000" dirty="0"/>
+          </a:p>
+        </p:txBody>
+      </p:sp>
+      <p:sp>
+        <p:nvSpPr>
+          <p:cNvPr id="50" name="テキスト ボックス 49"/>
+          <p:cNvSpPr txBox="1"/>
+          <p:nvPr/>
+        </p:nvSpPr>
+        <p:spPr>
+          <a:xfrm>
+            <a:off x="3138750" y="2603080"/>
+            <a:ext cx="1914135" cy="246221"/>
+          </a:xfrm>
+          <a:prstGeom prst="rect">
+            <a:avLst/>
+          </a:prstGeom>
+          <a:noFill/>
+          <a:ln>
+            <a:solidFill>
+              <a:srgbClr val="000000"/>
+            </a:solidFill>
+          </a:ln>
+        </p:spPr>
+        <p:txBody>
+          <a:bodyPr wrap="square" rtlCol="0">
+            <a:spAutoFit/>
+          </a:bodyPr>
+          <a:lstStyle/>
+          <a:p>
+            <a:pPr algn="ctr"/>
+            <a:r>
+              <a:rPr kumimoji="1" lang="en-US" altLang="ja-JP" sz="1000" dirty="0" smtClean="0"/>
+              <a:t>A</a:t>
+            </a:r>
+            <a:r>
+              <a:rPr kumimoji="1" lang="en-US" altLang="ja-JP" sz="1000" dirty="0"/>
+              <a:t>[y] ≧</a:t>
+            </a:r>
+            <a:r>
+              <a:rPr kumimoji="1" lang="en-US" altLang="en-US" sz="1000" dirty="0"/>
+              <a:t> </a:t>
+            </a:r>
+            <a:r>
+              <a:rPr kumimoji="1" lang="en-US" altLang="ja-JP" sz="1000" dirty="0"/>
+              <a:t>A[</a:t>
+            </a:r>
+            <a:r>
+              <a:rPr kumimoji="1" lang="en-US" altLang="en-US" sz="1000" dirty="0"/>
+              <a:t>y+1</a:t>
+            </a:r>
+            <a:r>
+              <a:rPr kumimoji="1" lang="en-US" altLang="ja-JP" sz="1000" dirty="0" smtClean="0"/>
+              <a:t>]</a:t>
+            </a:r>
+            <a:r>
+              <a:rPr kumimoji="1" lang="ja-JP" altLang="en-US" sz="1000" dirty="0" smtClean="0"/>
+              <a:t>の値を交換</a:t>
+            </a:r>
+            <a:endParaRPr kumimoji="1" lang="ja-JP" altLang="en-US" sz="1000" dirty="0"/>
+          </a:p>
+        </p:txBody>
+      </p:sp>
+      <p:sp>
+        <p:nvSpPr>
+          <p:cNvPr id="54" name="テキスト ボックス 53"/>
+          <p:cNvSpPr txBox="1"/>
+          <p:nvPr/>
+        </p:nvSpPr>
+        <p:spPr>
+          <a:xfrm>
+            <a:off x="3836084" y="761461"/>
+            <a:ext cx="493106" cy="261610"/>
+          </a:xfrm>
+          <a:prstGeom prst="rect">
+            <a:avLst/>
+          </a:prstGeom>
+          <a:noFill/>
+        </p:spPr>
+        <p:txBody>
+          <a:bodyPr wrap="none" rtlCol="0">
+            <a:spAutoFit/>
+          </a:bodyPr>
+          <a:lstStyle/>
+          <a:p>
+            <a:r>
+              <a:rPr kumimoji="1" lang="en-US" altLang="ja-JP" sz="1100" dirty="0" smtClean="0"/>
+              <a:t>x ≦</a:t>
+            </a:r>
+            <a:r>
+              <a:rPr kumimoji="1" lang="en-US" altLang="en-US" sz="1100" dirty="0"/>
+              <a:t> </a:t>
+            </a:r>
+            <a:r>
+              <a:rPr kumimoji="1" lang="en-US" altLang="en-US" sz="1100" dirty="0" smtClean="0"/>
+              <a:t>1</a:t>
+            </a:r>
+            <a:endParaRPr kumimoji="1" lang="ja-JP" altLang="en-US" sz="1100" dirty="0"/>
+          </a:p>
+        </p:txBody>
+      </p:sp>
+      <p:sp>
+        <p:nvSpPr>
+          <p:cNvPr id="2" name="テキスト ボックス 1"/>
+          <p:cNvSpPr txBox="1"/>
+          <p:nvPr/>
+        </p:nvSpPr>
+        <p:spPr>
+          <a:xfrm>
+            <a:off x="144348" y="420767"/>
+            <a:ext cx="2069797" cy="307777"/>
+          </a:xfrm>
+          <a:prstGeom prst="rect">
+            <a:avLst/>
+          </a:prstGeom>
+          <a:noFill/>
+        </p:spPr>
+        <p:txBody>
+          <a:bodyPr wrap="none" rtlCol="0">
+            <a:spAutoFit/>
+          </a:bodyPr>
+          <a:lstStyle/>
+          <a:p>
+            <a:r>
+              <a:rPr kumimoji="1" lang="ja-JP" altLang="en-US" dirty="0" smtClean="0"/>
+              <a:t>データ件数を</a:t>
+            </a:r>
+            <a:r>
+              <a:rPr kumimoji="1" lang="en-US" altLang="ja-JP" dirty="0" smtClean="0"/>
+              <a:t>x</a:t>
+            </a:r>
+            <a:r>
+              <a:rPr kumimoji="1" lang="ja-JP" altLang="en-US" dirty="0" smtClean="0"/>
+              <a:t>とする。</a:t>
+            </a:r>
+            <a:endParaRPr kumimoji="1" lang="ja-JP" altLang="en-US" dirty="0"/>
+          </a:p>
+        </p:txBody>
+      </p:sp>
+      <p:sp>
+        <p:nvSpPr>
+          <p:cNvPr id="35" name="フローチャート: 手作業 34"/>
+          <p:cNvSpPr/>
+          <p:nvPr/>
+        </p:nvSpPr>
+        <p:spPr>
+          <a:xfrm rot="10800000">
+            <a:off x="3578439" y="1673832"/>
+            <a:ext cx="1019411" cy="212526"/>
+          </a:xfrm>
+          <a:prstGeom prst="flowChartManualOperation">
+            <a:avLst/>
+          </a:prstGeom>
+          <a:noFill/>
+          <a:ln>
+            <a:solidFill>
+              <a:srgbClr val="000000"/>
+            </a:solidFill>
+          </a:ln>
+        </p:spPr>
+        <p:style>
+          <a:lnRef idx="1">
+            <a:schemeClr val="accent1"/>
+          </a:lnRef>
+          <a:fillRef idx="3">
+            <a:schemeClr val="accent1"/>
+          </a:fillRef>
+          <a:effectRef idx="2">
+            <a:schemeClr val="accent1"/>
+          </a:effectRef>
+          <a:fontRef idx="minor">
+            <a:schemeClr val="lt1"/>
+          </a:fontRef>
+        </p:style>
+        <p:txBody>
+          <a:bodyPr/>
+          <a:lstStyle/>
+          <a:p>
+            <a:endParaRPr lang="ja-JP" altLang="en-US"/>
+          </a:p>
+        </p:txBody>
+      </p:sp>
+      <p:sp>
+        <p:nvSpPr>
+          <p:cNvPr id="37" name="テキスト ボックス 36"/>
+          <p:cNvSpPr txBox="1"/>
+          <p:nvPr/>
+        </p:nvSpPr>
+        <p:spPr>
+          <a:xfrm>
+            <a:off x="3846388" y="1624748"/>
+            <a:ext cx="483670" cy="261610"/>
+          </a:xfrm>
+          <a:prstGeom prst="rect">
+            <a:avLst/>
+          </a:prstGeom>
+          <a:noFill/>
+        </p:spPr>
+        <p:txBody>
+          <a:bodyPr wrap="none" rtlCol="0">
+            <a:spAutoFit/>
+          </a:bodyPr>
+          <a:lstStyle/>
+          <a:p>
+            <a:r>
+              <a:rPr kumimoji="1" lang="en-US" altLang="ja-JP" sz="1100" dirty="0"/>
+              <a:t>y</a:t>
+            </a:r>
+            <a:r>
+              <a:rPr kumimoji="1" lang="en-US" altLang="ja-JP" sz="1100" dirty="0" smtClean="0"/>
+              <a:t> ≧</a:t>
+            </a:r>
+            <a:r>
+              <a:rPr kumimoji="1" lang="en-US" altLang="en-US" sz="1100" dirty="0"/>
+              <a:t> </a:t>
+            </a:r>
+            <a:r>
+              <a:rPr kumimoji="1" lang="en-US" altLang="en-US" sz="1100" dirty="0" smtClean="0"/>
+              <a:t>x</a:t>
+            </a:r>
+            <a:endParaRPr kumimoji="1" lang="ja-JP" altLang="en-US" sz="1100" dirty="0"/>
+          </a:p>
+        </p:txBody>
+      </p:sp>
+      <p:sp>
+        <p:nvSpPr>
+          <p:cNvPr id="39" name="テキスト ボックス 38"/>
+          <p:cNvSpPr txBox="1"/>
+          <p:nvPr/>
+        </p:nvSpPr>
+        <p:spPr>
+          <a:xfrm>
+            <a:off x="3578439" y="2122621"/>
+            <a:ext cx="1075435" cy="276999"/>
+          </a:xfrm>
+          <a:prstGeom prst="rect">
+            <a:avLst/>
+          </a:prstGeom>
+          <a:noFill/>
+        </p:spPr>
+        <p:txBody>
+          <a:bodyPr wrap="none" rtlCol="0">
+            <a:spAutoFit/>
+          </a:bodyPr>
+          <a:lstStyle/>
+          <a:p>
+            <a:r>
+              <a:rPr kumimoji="1" lang="en-US" altLang="ja-JP" sz="1200" dirty="0" smtClean="0"/>
+              <a:t>A[y] ≧</a:t>
+            </a:r>
+            <a:r>
+              <a:rPr kumimoji="1" lang="en-US" altLang="en-US" sz="1200" dirty="0"/>
+              <a:t> </a:t>
+            </a:r>
+            <a:r>
+              <a:rPr kumimoji="1" lang="en-US" altLang="ja-JP" sz="1200" dirty="0" smtClean="0"/>
+              <a:t>A[</a:t>
+            </a:r>
+            <a:r>
+              <a:rPr kumimoji="1" lang="en-US" altLang="en-US" sz="1200" dirty="0" smtClean="0"/>
+              <a:t>y+1</a:t>
+            </a:r>
+            <a:r>
+              <a:rPr kumimoji="1" lang="en-US" altLang="ja-JP" sz="1200" dirty="0" smtClean="0"/>
+              <a:t>]</a:t>
+            </a:r>
+            <a:endParaRPr kumimoji="1" lang="ja-JP" altLang="en-US" sz="1200" dirty="0"/>
+          </a:p>
+        </p:txBody>
+      </p:sp>
+      <p:sp>
+        <p:nvSpPr>
+          <p:cNvPr id="47" name="フローチャート: 手作業 46"/>
+          <p:cNvSpPr/>
+          <p:nvPr/>
+        </p:nvSpPr>
+        <p:spPr>
+          <a:xfrm>
+            <a:off x="3604289" y="4425195"/>
+            <a:ext cx="1021319" cy="208988"/>
+          </a:xfrm>
+          <a:prstGeom prst="flowChartManualOperation">
+            <a:avLst/>
+          </a:prstGeom>
+          <a:noFill/>
+          <a:ln>
+            <a:solidFill>
+              <a:srgbClr val="000000"/>
+            </a:solidFill>
+          </a:ln>
+        </p:spPr>
+        <p:style>
+          <a:lnRef idx="1">
+            <a:schemeClr val="accent1"/>
+          </a:lnRef>
+          <a:fillRef idx="3">
+            <a:schemeClr val="accent1"/>
+          </a:fillRef>
+          <a:effectRef idx="2">
+            <a:schemeClr val="accent1"/>
+          </a:effectRef>
+          <a:fontRef idx="minor">
+            <a:schemeClr val="lt1"/>
+          </a:fontRef>
+        </p:style>
+        <p:txBody>
+          <a:bodyPr/>
+          <a:lstStyle/>
+          <a:p>
+            <a:endParaRPr lang="ja-JP" altLang="en-US"/>
+          </a:p>
+        </p:txBody>
+      </p:sp>
+      <p:cxnSp>
+        <p:nvCxnSpPr>
+          <p:cNvPr id="55" name="直線矢印コネクタ 54"/>
+          <p:cNvCxnSpPr/>
+          <p:nvPr/>
+        </p:nvCxnSpPr>
+        <p:spPr>
+          <a:xfrm>
+            <a:off x="4077115" y="1453958"/>
+            <a:ext cx="0" cy="226855"/>
           </a:xfrm>
           <a:prstGeom prst="straightConnector1">
             <a:avLst/>
@@ -8939,14 +9084,14 @@
       </p:cxnSp>
       <p:cxnSp>
         <p:nvCxnSpPr>
-          <p:cNvPr id="9" name="直線矢印コネクタ 8"/>
+          <p:cNvPr id="56" name="直線矢印コネクタ 55"/>
           <p:cNvCxnSpPr/>
           <p:nvPr/>
         </p:nvCxnSpPr>
         <p:spPr>
           <a:xfrm>
-            <a:off x="4305519" y="2097279"/>
-            <a:ext cx="0" cy="234361"/>
+            <a:off x="4077115" y="1880711"/>
+            <a:ext cx="0" cy="226855"/>
           </a:xfrm>
           <a:prstGeom prst="straightConnector1">
             <a:avLst/>
@@ -8975,14 +9120,14 @@
       </p:cxnSp>
       <p:cxnSp>
         <p:nvCxnSpPr>
-          <p:cNvPr id="10" name="直線矢印コネクタ 9"/>
+          <p:cNvPr id="57" name="直線矢印コネクタ 56"/>
           <p:cNvCxnSpPr/>
           <p:nvPr/>
         </p:nvCxnSpPr>
         <p:spPr>
           <a:xfrm>
-            <a:off x="4053957" y="3909596"/>
-            <a:ext cx="0" cy="194556"/>
+            <a:off x="4074673" y="2457507"/>
+            <a:ext cx="4883" cy="145573"/>
           </a:xfrm>
           <a:prstGeom prst="straightConnector1">
             <a:avLst/>
@@ -9011,14 +9156,14 @@
       </p:cxnSp>
       <p:cxnSp>
         <p:nvCxnSpPr>
-          <p:cNvPr id="11" name="直線矢印コネクタ 10"/>
+          <p:cNvPr id="61" name="直線矢印コネクタ 60"/>
           <p:cNvCxnSpPr/>
           <p:nvPr/>
         </p:nvCxnSpPr>
         <p:spPr>
-          <a:xfrm>
-            <a:off x="4081886" y="5414460"/>
-            <a:ext cx="0" cy="222289"/>
+          <a:xfrm flipH="1">
+            <a:off x="4075033" y="2849301"/>
+            <a:ext cx="33" cy="192361"/>
           </a:xfrm>
           <a:prstGeom prst="straightConnector1">
             <a:avLst/>
@@ -9028,333 +9173,6 @@
               <a:srgbClr val="000000"/>
             </a:solidFill>
             <a:tailEnd type="arrow"/>
-          </a:ln>
-        </p:spPr>
-        <p:style>
-          <a:lnRef idx="2">
-            <a:schemeClr val="accent1"/>
-          </a:lnRef>
-          <a:fillRef idx="0">
-            <a:schemeClr val="accent1"/>
-          </a:fillRef>
-          <a:effectRef idx="1">
-            <a:schemeClr val="accent1"/>
-          </a:effectRef>
-          <a:fontRef idx="minor">
-            <a:schemeClr val="tx1"/>
-          </a:fontRef>
-        </p:style>
-      </p:cxnSp>
-      <p:sp>
-        <p:nvSpPr>
-          <p:cNvPr id="12" name="テキスト ボックス 11"/>
-          <p:cNvSpPr txBox="1"/>
-          <p:nvPr/>
-        </p:nvSpPr>
-        <p:spPr>
-          <a:xfrm>
-            <a:off x="3855089" y="3220911"/>
-            <a:ext cx="1988574" cy="230832"/>
-          </a:xfrm>
-          <a:prstGeom prst="rect">
-            <a:avLst/>
-          </a:prstGeom>
-          <a:noFill/>
-          <a:ln>
-            <a:solidFill>
-              <a:srgbClr val="000000"/>
-            </a:solidFill>
-          </a:ln>
-        </p:spPr>
-        <p:txBody>
-          <a:bodyPr wrap="square" rtlCol="0">
-            <a:spAutoFit/>
-          </a:bodyPr>
-          <a:lstStyle/>
-          <a:p>
-            <a:endParaRPr kumimoji="1" lang="ja-JP" altLang="en-US" sz="900" dirty="0"/>
-          </a:p>
-        </p:txBody>
-      </p:sp>
-      <p:sp>
-        <p:nvSpPr>
-          <p:cNvPr id="13" name="フローチャート: 手作業 12"/>
-          <p:cNvSpPr/>
-          <p:nvPr/>
-        </p:nvSpPr>
-        <p:spPr>
-          <a:xfrm rot="10800000">
-            <a:off x="2636810" y="1786315"/>
-            <a:ext cx="3383980" cy="274327"/>
-          </a:xfrm>
-          <a:prstGeom prst="flowChartManualOperation">
-            <a:avLst/>
-          </a:prstGeom>
-          <a:noFill/>
-          <a:ln>
-            <a:solidFill>
-              <a:srgbClr val="000000"/>
-            </a:solidFill>
-          </a:ln>
-        </p:spPr>
-        <p:style>
-          <a:lnRef idx="1">
-            <a:schemeClr val="accent1"/>
-          </a:lnRef>
-          <a:fillRef idx="3">
-            <a:schemeClr val="accent1"/>
-          </a:fillRef>
-          <a:effectRef idx="2">
-            <a:schemeClr val="accent1"/>
-          </a:effectRef>
-          <a:fontRef idx="minor">
-            <a:schemeClr val="lt1"/>
-          </a:fontRef>
-        </p:style>
-        <p:txBody>
-          <a:bodyPr/>
-          <a:lstStyle/>
-          <a:p>
-            <a:endParaRPr lang="ja-JP" altLang="en-US"/>
-          </a:p>
-        </p:txBody>
-      </p:sp>
-      <p:sp>
-        <p:nvSpPr>
-          <p:cNvPr id="14" name="フローチャート: 手作業 13"/>
-          <p:cNvSpPr/>
-          <p:nvPr/>
-        </p:nvSpPr>
-        <p:spPr>
-          <a:xfrm>
-            <a:off x="2909293" y="4747618"/>
-            <a:ext cx="2573019" cy="208988"/>
-          </a:xfrm>
-          <a:prstGeom prst="flowChartManualOperation">
-            <a:avLst/>
-          </a:prstGeom>
-          <a:noFill/>
-          <a:ln>
-            <a:solidFill>
-              <a:srgbClr val="000000"/>
-            </a:solidFill>
-          </a:ln>
-        </p:spPr>
-        <p:style>
-          <a:lnRef idx="1">
-            <a:schemeClr val="accent1"/>
-          </a:lnRef>
-          <a:fillRef idx="3">
-            <a:schemeClr val="accent1"/>
-          </a:fillRef>
-          <a:effectRef idx="2">
-            <a:schemeClr val="accent1"/>
-          </a:effectRef>
-          <a:fontRef idx="minor">
-            <a:schemeClr val="lt1"/>
-          </a:fontRef>
-        </p:style>
-        <p:txBody>
-          <a:bodyPr/>
-          <a:lstStyle/>
-          <a:p>
-            <a:endParaRPr lang="ja-JP" altLang="en-US"/>
-          </a:p>
-        </p:txBody>
-      </p:sp>
-      <p:sp>
-        <p:nvSpPr>
-          <p:cNvPr id="15" name="Shape 52"/>
-          <p:cNvSpPr/>
-          <p:nvPr/>
-        </p:nvSpPr>
-        <p:spPr>
-          <a:xfrm>
-            <a:off x="3367710" y="5223960"/>
-            <a:ext cx="1481666" cy="190500"/>
-          </a:xfrm>
-          <a:prstGeom prst="flowChartProcess">
-            <a:avLst/>
-          </a:prstGeom>
-          <a:noFill/>
-          <a:ln w="9525" cap="flat" cmpd="sng">
-            <a:solidFill>
-              <a:srgbClr val="000000"/>
-            </a:solidFill>
-            <a:prstDash val="solid"/>
-            <a:round/>
-            <a:headEnd type="none" w="med" len="med"/>
-            <a:tailEnd type="none" w="med" len="med"/>
-          </a:ln>
-        </p:spPr>
-        <p:txBody>
-          <a:bodyPr lIns="91425" tIns="91425" rIns="91425" bIns="91425" anchor="ctr" anchorCtr="0">
-            <a:noAutofit/>
-          </a:bodyPr>
-          <a:lstStyle/>
-          <a:p>
-            <a:pPr>
-              <a:spcBef>
-                <a:spcPts val="0"/>
-              </a:spcBef>
-              <a:buNone/>
-            </a:pPr>
-            <a:endParaRPr/>
-          </a:p>
-        </p:txBody>
-      </p:sp>
-      <p:cxnSp>
-        <p:nvCxnSpPr>
-          <p:cNvPr id="16" name="直線矢印コネクタ 15"/>
-          <p:cNvCxnSpPr/>
-          <p:nvPr/>
-        </p:nvCxnSpPr>
-        <p:spPr>
-          <a:xfrm>
-            <a:off x="4305519" y="953908"/>
-            <a:ext cx="0" cy="200550"/>
-          </a:xfrm>
-          <a:prstGeom prst="straightConnector1">
-            <a:avLst/>
-          </a:prstGeom>
-          <a:ln>
-            <a:solidFill>
-              <a:srgbClr val="000000"/>
-            </a:solidFill>
-            <a:tailEnd type="arrow"/>
-          </a:ln>
-        </p:spPr>
-        <p:style>
-          <a:lnRef idx="2">
-            <a:schemeClr val="accent1"/>
-          </a:lnRef>
-          <a:fillRef idx="0">
-            <a:schemeClr val="accent1"/>
-          </a:fillRef>
-          <a:effectRef idx="1">
-            <a:schemeClr val="accent1"/>
-          </a:effectRef>
-          <a:fontRef idx="minor">
-            <a:schemeClr val="tx1"/>
-          </a:fontRef>
-        </p:style>
-      </p:cxnSp>
-      <p:sp>
-        <p:nvSpPr>
-          <p:cNvPr id="17" name="テキスト ボックス 16"/>
-          <p:cNvSpPr txBox="1"/>
-          <p:nvPr/>
-        </p:nvSpPr>
-        <p:spPr>
-          <a:xfrm>
-            <a:off x="3351151" y="5196099"/>
-            <a:ext cx="1481667" cy="246221"/>
-          </a:xfrm>
-          <a:prstGeom prst="rect">
-            <a:avLst/>
-          </a:prstGeom>
-          <a:noFill/>
-        </p:spPr>
-        <p:txBody>
-          <a:bodyPr wrap="square" rtlCol="0">
-            <a:spAutoFit/>
-          </a:bodyPr>
-          <a:lstStyle/>
-          <a:p>
-            <a:pPr algn="ctr"/>
-            <a:r>
-              <a:rPr kumimoji="1" lang="ja-JP" altLang="en-US" sz="1000" dirty="0" smtClean="0"/>
-              <a:t>探索完了</a:t>
-            </a:r>
-            <a:endParaRPr kumimoji="1" lang="ja-JP" altLang="en-US" sz="1000" dirty="0"/>
-          </a:p>
-        </p:txBody>
-      </p:sp>
-      <p:sp>
-        <p:nvSpPr>
-          <p:cNvPr id="20" name="Shape 51"/>
-          <p:cNvSpPr/>
-          <p:nvPr/>
-        </p:nvSpPr>
-        <p:spPr>
-          <a:xfrm>
-            <a:off x="3586426" y="2331640"/>
-            <a:ext cx="1484748" cy="367004"/>
-          </a:xfrm>
-          <a:prstGeom prst="flowChartDecision">
-            <a:avLst/>
-          </a:prstGeom>
-          <a:noFill/>
-          <a:ln w="9525" cap="flat" cmpd="sng">
-            <a:solidFill>
-              <a:srgbClr val="000000"/>
-            </a:solidFill>
-            <a:prstDash val="solid"/>
-            <a:round/>
-            <a:headEnd type="none" w="med" len="med"/>
-            <a:tailEnd type="none" w="med" len="med"/>
-          </a:ln>
-        </p:spPr>
-        <p:txBody>
-          <a:bodyPr lIns="91425" tIns="91425" rIns="91425" bIns="91425" anchor="ctr" anchorCtr="0">
-            <a:noAutofit/>
-          </a:bodyPr>
-          <a:lstStyle/>
-          <a:p>
-            <a:pPr>
-              <a:spcBef>
-                <a:spcPts val="0"/>
-              </a:spcBef>
-              <a:buNone/>
-            </a:pPr>
-            <a:endParaRPr/>
-          </a:p>
-        </p:txBody>
-      </p:sp>
-      <p:sp>
-        <p:nvSpPr>
-          <p:cNvPr id="21" name="テキスト ボックス 20"/>
-          <p:cNvSpPr txBox="1"/>
-          <p:nvPr/>
-        </p:nvSpPr>
-        <p:spPr>
-          <a:xfrm>
-            <a:off x="4144134" y="3432543"/>
-            <a:ext cx="184666" cy="230832"/>
-          </a:xfrm>
-          <a:prstGeom prst="rect">
-            <a:avLst/>
-          </a:prstGeom>
-          <a:noFill/>
-        </p:spPr>
-        <p:txBody>
-          <a:bodyPr wrap="none" rtlCol="0">
-            <a:spAutoFit/>
-          </a:bodyPr>
-          <a:lstStyle/>
-          <a:p>
-            <a:endParaRPr kumimoji="1" lang="ja-JP" altLang="en-US" sz="900" dirty="0"/>
-          </a:p>
-        </p:txBody>
-      </p:sp>
-      <p:cxnSp>
-        <p:nvCxnSpPr>
-          <p:cNvPr id="22" name="直線コネクタ 21"/>
-          <p:cNvCxnSpPr/>
-          <p:nvPr/>
-        </p:nvCxnSpPr>
-        <p:spPr>
-          <a:xfrm>
-            <a:off x="6305550" y="2529282"/>
-            <a:ext cx="0" cy="466419"/>
-          </a:xfrm>
-          <a:prstGeom prst="line">
-            <a:avLst/>
-          </a:prstGeom>
-          <a:ln>
-            <a:solidFill>
-              <a:srgbClr val="000000"/>
-            </a:solidFill>
           </a:ln>
         </p:spPr>
         <p:style>
@@ -9374,22 +9192,23 @@
       </p:cxnSp>
       <p:cxnSp>
         <p:nvCxnSpPr>
-          <p:cNvPr id="23" name="直線コネクタ 22"/>
+          <p:cNvPr id="66" name="直線矢印コネクタ 65"/>
           <p:cNvCxnSpPr/>
           <p:nvPr/>
         </p:nvCxnSpPr>
         <p:spPr>
           <a:xfrm>
-            <a:off x="5029200" y="2530000"/>
-            <a:ext cx="1276350" cy="0"/>
-          </a:xfrm>
-          <a:prstGeom prst="line">
+            <a:off x="4079556" y="3272494"/>
+            <a:ext cx="0" cy="244082"/>
+          </a:xfrm>
+          <a:prstGeom prst="straightConnector1">
             <a:avLst/>
           </a:prstGeom>
           <a:ln>
             <a:solidFill>
               <a:srgbClr val="000000"/>
             </a:solidFill>
+            <a:tailEnd type="arrow"/>
           </a:ln>
         </p:spPr>
         <p:style>
@@ -9409,235 +9228,14 @@
       </p:cxnSp>
       <p:cxnSp>
         <p:nvCxnSpPr>
-          <p:cNvPr id="24" name="直線矢印コネクタ 23"/>
-          <p:cNvCxnSpPr>
-            <a:endCxn id="15" idx="3"/>
-          </p:cNvCxnSpPr>
+          <p:cNvPr id="72" name="直線矢印コネクタ 71"/>
+          <p:cNvCxnSpPr/>
           <p:nvPr/>
         </p:nvCxnSpPr>
         <p:spPr>
-          <a:xfrm flipH="1">
-            <a:off x="4849376" y="5319210"/>
-            <a:ext cx="1674011" cy="0"/>
-          </a:xfrm>
-          <a:prstGeom prst="straightConnector1">
-            <a:avLst/>
-          </a:prstGeom>
-          <a:ln>
-            <a:solidFill>
-              <a:srgbClr val="000000"/>
-            </a:solidFill>
-            <a:tailEnd type="arrow"/>
-          </a:ln>
-        </p:spPr>
-        <p:style>
-          <a:lnRef idx="2">
-            <a:schemeClr val="accent1"/>
-          </a:lnRef>
-          <a:fillRef idx="0">
-            <a:schemeClr val="accent1"/>
-          </a:fillRef>
-          <a:effectRef idx="1">
-            <a:schemeClr val="accent1"/>
-          </a:effectRef>
-          <a:fontRef idx="minor">
-            <a:schemeClr val="tx1"/>
-          </a:fontRef>
-        </p:style>
-      </p:cxnSp>
-      <p:sp>
-        <p:nvSpPr>
-          <p:cNvPr id="27" name="テキスト ボックス 26"/>
-          <p:cNvSpPr txBox="1"/>
-          <p:nvPr/>
-        </p:nvSpPr>
-        <p:spPr>
-          <a:xfrm>
-            <a:off x="3301213" y="553798"/>
-            <a:ext cx="2008611" cy="400110"/>
-          </a:xfrm>
-          <a:prstGeom prst="rect">
-            <a:avLst/>
-          </a:prstGeom>
-          <a:noFill/>
-          <a:ln>
-            <a:solidFill>
-              <a:srgbClr val="000000"/>
-            </a:solidFill>
-          </a:ln>
-        </p:spPr>
-        <p:txBody>
-          <a:bodyPr wrap="square" rtlCol="0">
-            <a:spAutoFit/>
-          </a:bodyPr>
-          <a:lstStyle/>
-          <a:p>
-            <a:r>
-              <a:rPr kumimoji="1" lang="en-US" altLang="ja-JP" sz="1000" dirty="0" smtClean="0"/>
-              <a:t>1〜7</a:t>
-            </a:r>
-            <a:r>
-              <a:rPr kumimoji="1" lang="ja-JP" altLang="en-US" sz="1000" dirty="0" smtClean="0"/>
-              <a:t>の数値をランダムな順番で文字列表記</a:t>
-            </a:r>
-            <a:endParaRPr kumimoji="1" lang="ja-JP" altLang="en-US" sz="1000" dirty="0"/>
-          </a:p>
-        </p:txBody>
-      </p:sp>
-      <p:sp>
-        <p:nvSpPr>
-          <p:cNvPr id="29" name="テキスト ボックス 28"/>
-          <p:cNvSpPr txBox="1"/>
-          <p:nvPr/>
-        </p:nvSpPr>
-        <p:spPr>
-          <a:xfrm>
-            <a:off x="3112325" y="1154458"/>
-            <a:ext cx="2615021" cy="369332"/>
-          </a:xfrm>
-          <a:prstGeom prst="rect">
-            <a:avLst/>
-          </a:prstGeom>
-          <a:noFill/>
-          <a:ln>
-            <a:solidFill>
-              <a:srgbClr val="000000"/>
-            </a:solidFill>
-          </a:ln>
-        </p:spPr>
-        <p:txBody>
-          <a:bodyPr wrap="square" rtlCol="0">
-            <a:spAutoFit/>
-          </a:bodyPr>
-          <a:lstStyle/>
-          <a:p>
-            <a:r>
-              <a:rPr kumimoji="1" lang="ja-JP" altLang="en-US" sz="900" dirty="0" smtClean="0"/>
-              <a:t>数値</a:t>
-            </a:r>
-            <a:r>
-              <a:rPr kumimoji="1" lang="en-US" altLang="ja-JP" sz="900" dirty="0" smtClean="0"/>
-              <a:t>1〜7</a:t>
-            </a:r>
-            <a:r>
-              <a:rPr kumimoji="1" lang="ja-JP" altLang="en-US" sz="900" dirty="0" smtClean="0"/>
-              <a:t>のランダムにした文字列を先頭から</a:t>
-            </a:r>
-            <a:endParaRPr kumimoji="1" lang="en-US" altLang="ja-JP" sz="900" dirty="0" smtClean="0"/>
-          </a:p>
-          <a:p>
-            <a:r>
-              <a:rPr kumimoji="1" lang="ja-JP" altLang="en-US" sz="900" dirty="0" smtClean="0"/>
-              <a:t>順に</a:t>
-            </a:r>
-            <a:r>
-              <a:rPr kumimoji="1" lang="en-US" altLang="ja-JP" sz="900" dirty="0" err="1" smtClean="0"/>
-              <a:t>a,b,c,d,e,f,g</a:t>
-            </a:r>
-            <a:r>
-              <a:rPr kumimoji="1" lang="ja-JP" altLang="en-US" sz="900" dirty="0" smtClean="0"/>
-              <a:t>と設定るる</a:t>
-            </a:r>
-            <a:endParaRPr kumimoji="1" lang="ja-JP" altLang="en-US" sz="900" dirty="0"/>
-          </a:p>
-        </p:txBody>
-      </p:sp>
-      <p:sp>
-        <p:nvSpPr>
-          <p:cNvPr id="30" name="テキスト ボックス 29"/>
-          <p:cNvSpPr txBox="1"/>
-          <p:nvPr/>
-        </p:nvSpPr>
-        <p:spPr>
-          <a:xfrm>
-            <a:off x="5505226" y="4263504"/>
-            <a:ext cx="1031127" cy="230832"/>
-          </a:xfrm>
-          <a:prstGeom prst="rect">
-            <a:avLst/>
-          </a:prstGeom>
-          <a:noFill/>
-          <a:ln>
-            <a:solidFill>
-              <a:srgbClr val="000000"/>
-            </a:solidFill>
-          </a:ln>
-        </p:spPr>
-        <p:txBody>
-          <a:bodyPr wrap="none" rtlCol="0">
-            <a:spAutoFit/>
-          </a:bodyPr>
-          <a:lstStyle/>
-          <a:p>
-            <a:r>
-              <a:rPr kumimoji="1" lang="el-GR" altLang="ja-JP" sz="900" dirty="0" smtClean="0"/>
-              <a:t>Θ</a:t>
-            </a:r>
-            <a:r>
-              <a:rPr kumimoji="1" lang="en-US" altLang="ja-JP" sz="900" dirty="0" smtClean="0"/>
-              <a:t>1</a:t>
-            </a:r>
-            <a:r>
-              <a:rPr kumimoji="1" lang="ja-JP" altLang="en-US" sz="900" dirty="0" smtClean="0"/>
-              <a:t>の文字を表記</a:t>
-            </a:r>
-            <a:endParaRPr kumimoji="1" lang="ja-JP" altLang="en-US" sz="900" dirty="0"/>
-          </a:p>
-        </p:txBody>
-      </p:sp>
-      <p:sp>
-        <p:nvSpPr>
-          <p:cNvPr id="32" name="テキスト ボックス 31"/>
-          <p:cNvSpPr txBox="1"/>
-          <p:nvPr/>
-        </p:nvSpPr>
-        <p:spPr>
-          <a:xfrm>
-            <a:off x="3609507" y="3663375"/>
-            <a:ext cx="902811" cy="246221"/>
-          </a:xfrm>
-          <a:prstGeom prst="rect">
-            <a:avLst/>
-          </a:prstGeom>
-          <a:noFill/>
-          <a:ln>
-            <a:solidFill>
-              <a:srgbClr val="000000"/>
-            </a:solidFill>
-          </a:ln>
-        </p:spPr>
-        <p:txBody>
-          <a:bodyPr wrap="none" rtlCol="0">
-            <a:spAutoFit/>
-          </a:bodyPr>
-          <a:lstStyle/>
-          <a:p>
-            <a:r>
-              <a:rPr kumimoji="1" lang="ja-JP" altLang="en-US" sz="1000" dirty="0" smtClean="0"/>
-              <a:t>次の</a:t>
-            </a:r>
-            <a:r>
-              <a:rPr kumimoji="1" lang="en-US" altLang="ja-JP" sz="1000" dirty="0" err="1" smtClean="0"/>
-              <a:t>θ</a:t>
-            </a:r>
-            <a:r>
-              <a:rPr kumimoji="1" lang="ja-JP" altLang="en-US" sz="1000" dirty="0" smtClean="0"/>
-              <a:t>に移動</a:t>
-            </a:r>
-            <a:endParaRPr kumimoji="1" lang="ja-JP" altLang="en-US" sz="1000" dirty="0"/>
-          </a:p>
-        </p:txBody>
-      </p:sp>
-      <p:cxnSp>
-        <p:nvCxnSpPr>
-          <p:cNvPr id="33" name="直線矢印コネクタ 32"/>
-          <p:cNvCxnSpPr/>
-          <p:nvPr/>
-        </p:nvCxnSpPr>
-        <p:spPr>
-          <a:xfrm>
-            <a:off x="5977923" y="4507107"/>
-            <a:ext cx="0" cy="204747"/>
+          <a:xfrm>
+            <a:off x="4079556" y="3725564"/>
+            <a:ext cx="0" cy="216910"/>
           </a:xfrm>
           <a:prstGeom prst="straightConnector1">
             <a:avLst/>
@@ -9666,14 +9264,14 @@
       </p:cxnSp>
       <p:cxnSp>
         <p:nvCxnSpPr>
-          <p:cNvPr id="34" name="直線矢印コネクタ 33"/>
+          <p:cNvPr id="75" name="直線矢印コネクタ 74"/>
           <p:cNvCxnSpPr/>
           <p:nvPr/>
         </p:nvCxnSpPr>
         <p:spPr>
           <a:xfrm>
-            <a:off x="4076720" y="4958715"/>
-            <a:ext cx="0" cy="231463"/>
+            <a:off x="4076814" y="4188695"/>
+            <a:ext cx="0" cy="236500"/>
           </a:xfrm>
           <a:prstGeom prst="straightConnector1">
             <a:avLst/>
@@ -9700,94 +9298,16 @@
           </a:fontRef>
         </p:style>
       </p:cxnSp>
-      <p:sp>
-        <p:nvSpPr>
-          <p:cNvPr id="44" name="テキスト ボックス 43"/>
-          <p:cNvSpPr txBox="1"/>
-          <p:nvPr/>
-        </p:nvSpPr>
-        <p:spPr>
-          <a:xfrm>
-            <a:off x="4060913" y="2331640"/>
-            <a:ext cx="489211" cy="307777"/>
-          </a:xfrm>
-          <a:prstGeom prst="rect">
-            <a:avLst/>
-          </a:prstGeom>
-          <a:noFill/>
-        </p:spPr>
-        <p:txBody>
-          <a:bodyPr wrap="none" rtlCol="0">
-            <a:spAutoFit/>
-          </a:bodyPr>
-          <a:lstStyle/>
-          <a:p>
-            <a:r>
-              <a:rPr kumimoji="1" lang="en-US" altLang="ja-JP" dirty="0"/>
-              <a:t>a</a:t>
-            </a:r>
-            <a:r>
-              <a:rPr kumimoji="1" lang="en-US" altLang="ja-JP" dirty="0" smtClean="0"/>
-              <a:t>&gt;b</a:t>
-            </a:r>
-            <a:endParaRPr kumimoji="1" lang="ja-JP" altLang="en-US" dirty="0"/>
-          </a:p>
-        </p:txBody>
-      </p:sp>
-      <p:sp>
-        <p:nvSpPr>
-          <p:cNvPr id="48" name="正方形/長方形 47"/>
-          <p:cNvSpPr/>
-          <p:nvPr/>
-        </p:nvSpPr>
-        <p:spPr>
-          <a:xfrm>
-            <a:off x="-1359112" y="3440542"/>
-            <a:ext cx="4572000" cy="523220"/>
-          </a:xfrm>
-          <a:prstGeom prst="rect">
-            <a:avLst/>
-          </a:prstGeom>
-        </p:spPr>
-        <p:txBody>
-          <a:bodyPr>
-            <a:spAutoFit/>
-          </a:bodyPr>
-          <a:lstStyle/>
-          <a:p>
-            <a:r>
-              <a:rPr lang="ja-JP" altLang="en-US" dirty="0"/>
-              <a:t>先頭の</a:t>
-            </a:r>
-            <a:r>
-              <a:rPr lang="ja-JP" altLang="en-US" dirty="0" smtClean="0"/>
-              <a:t>要素移動</a:t>
-            </a:r>
-            <a:r>
-              <a:rPr lang="ja-JP" altLang="en-US" dirty="0"/>
-              <a:t>しながら比較</a:t>
-            </a:r>
-            <a:r>
-              <a:rPr lang="en-US" altLang="ja-JP" dirty="0"/>
-              <a:t>/</a:t>
-            </a:r>
-            <a:r>
-              <a:rPr lang="ja-JP" altLang="en-US" dirty="0"/>
-              <a:t>交換をリストの終端まで繰り返す</a:t>
-            </a:r>
-          </a:p>
-        </p:txBody>
-      </p:sp>
       <p:cxnSp>
         <p:nvCxnSpPr>
-          <p:cNvPr id="49" name="直線矢印コネクタ 48"/>
+          <p:cNvPr id="85" name="直線矢印コネクタ 84"/>
           <p:cNvCxnSpPr/>
           <p:nvPr/>
         </p:nvCxnSpPr>
         <p:spPr>
           <a:xfrm>
-            <a:off x="4305519" y="1529400"/>
-            <a:ext cx="0" cy="234361"/>
+            <a:off x="4074673" y="4634183"/>
+            <a:ext cx="0" cy="236500"/>
           </a:xfrm>
           <a:prstGeom prst="straightConnector1">
             <a:avLst/>
@@ -9814,26 +9334,163 @@
           </a:fontRef>
         </p:style>
       </p:cxnSp>
-      <p:sp>
-        <p:nvSpPr>
-          <p:cNvPr id="50" name="テキスト ボックス 49"/>
+      <p:cxnSp>
+        <p:nvCxnSpPr>
+          <p:cNvPr id="87" name="直線矢印コネクタ 86"/>
+          <p:cNvCxnSpPr/>
+          <p:nvPr/>
+        </p:nvCxnSpPr>
+        <p:spPr>
+          <a:xfrm>
+            <a:off x="4074672" y="520700"/>
+            <a:ext cx="1" cy="291555"/>
+          </a:xfrm>
+          <a:prstGeom prst="straightConnector1">
+            <a:avLst/>
+          </a:prstGeom>
+          <a:ln>
+            <a:solidFill>
+              <a:srgbClr val="000000"/>
+            </a:solidFill>
+            <a:tailEnd type="arrow"/>
+          </a:ln>
+        </p:spPr>
+        <p:style>
+          <a:lnRef idx="2">
+            <a:schemeClr val="accent1"/>
+          </a:lnRef>
+          <a:fillRef idx="0">
+            <a:schemeClr val="accent1"/>
+          </a:fillRef>
+          <a:effectRef idx="1">
+            <a:schemeClr val="accent1"/>
+          </a:effectRef>
+          <a:fontRef idx="minor">
+            <a:schemeClr val="tx1"/>
+          </a:fontRef>
+        </p:style>
+      </p:cxnSp>
+      <p:cxnSp>
+        <p:nvCxnSpPr>
+          <p:cNvPr id="96" name="直線矢印コネクタ 95"/>
+          <p:cNvCxnSpPr/>
+          <p:nvPr/>
+        </p:nvCxnSpPr>
+        <p:spPr>
+          <a:xfrm flipH="1">
+            <a:off x="4079556" y="2906196"/>
+            <a:ext cx="1293812" cy="0"/>
+          </a:xfrm>
+          <a:prstGeom prst="straightConnector1">
+            <a:avLst/>
+          </a:prstGeom>
+          <a:ln>
+            <a:solidFill>
+              <a:srgbClr val="000000"/>
+            </a:solidFill>
+            <a:tailEnd type="arrow"/>
+          </a:ln>
+        </p:spPr>
+        <p:style>
+          <a:lnRef idx="2">
+            <a:schemeClr val="accent1"/>
+          </a:lnRef>
+          <a:fillRef idx="0">
+            <a:schemeClr val="accent1"/>
+          </a:fillRef>
+          <a:effectRef idx="1">
+            <a:schemeClr val="accent1"/>
+          </a:effectRef>
+          <a:fontRef idx="minor">
+            <a:schemeClr val="tx1"/>
+          </a:fontRef>
+        </p:style>
+      </p:cxnSp>
+      <p:cxnSp>
+        <p:nvCxnSpPr>
+          <p:cNvPr id="100" name="直線コネクタ 99"/>
+          <p:cNvCxnSpPr/>
+          <p:nvPr/>
+        </p:nvCxnSpPr>
+        <p:spPr>
+          <a:xfrm>
+            <a:off x="5373368" y="2286000"/>
+            <a:ext cx="0" cy="620196"/>
+          </a:xfrm>
+          <a:prstGeom prst="line">
+            <a:avLst/>
+          </a:prstGeom>
+          <a:ln>
+            <a:solidFill>
+              <a:srgbClr val="000000"/>
+            </a:solidFill>
+          </a:ln>
+        </p:spPr>
+        <p:style>
+          <a:lnRef idx="2">
+            <a:schemeClr val="accent1"/>
+          </a:lnRef>
+          <a:fillRef idx="0">
+            <a:schemeClr val="accent1"/>
+          </a:fillRef>
+          <a:effectRef idx="1">
+            <a:schemeClr val="accent1"/>
+          </a:effectRef>
+          <a:fontRef idx="minor">
+            <a:schemeClr val="tx1"/>
+          </a:fontRef>
+        </p:style>
+      </p:cxnSp>
+      <p:cxnSp>
+        <p:nvCxnSpPr>
+          <p:cNvPr id="102" name="直線コネクタ 101"/>
+          <p:cNvCxnSpPr/>
+          <p:nvPr/>
+        </p:nvCxnSpPr>
+        <p:spPr>
+          <a:xfrm flipV="1">
+            <a:off x="5102435" y="2286000"/>
+            <a:ext cx="270933" cy="1"/>
+          </a:xfrm>
+          <a:prstGeom prst="line">
+            <a:avLst/>
+          </a:prstGeom>
+          <a:ln>
+            <a:solidFill>
+              <a:srgbClr val="000000"/>
+            </a:solidFill>
+          </a:ln>
+        </p:spPr>
+        <p:style>
+          <a:lnRef idx="2">
+            <a:schemeClr val="accent1"/>
+          </a:lnRef>
+          <a:fillRef idx="0">
+            <a:schemeClr val="accent1"/>
+          </a:fillRef>
+          <a:effectRef idx="1">
+            <a:schemeClr val="accent1"/>
+          </a:effectRef>
+          <a:fontRef idx="minor">
+            <a:schemeClr val="tx1"/>
+          </a:fontRef>
+        </p:style>
+      </p:cxnSp>
+      <p:sp>
+        <p:nvSpPr>
+          <p:cNvPr id="104" name="テキスト ボックス 103"/>
           <p:cNvSpPr txBox="1"/>
           <p:nvPr/>
         </p:nvSpPr>
         <p:spPr>
           <a:xfrm>
-            <a:off x="6305550" y="3166201"/>
-            <a:ext cx="1737951" cy="246221"/>
+            <a:off x="4653874" y="761461"/>
+            <a:ext cx="663510" cy="253916"/>
           </a:xfrm>
           <a:prstGeom prst="rect">
             <a:avLst/>
           </a:prstGeom>
           <a:noFill/>
-          <a:ln>
-            <a:solidFill>
-              <a:srgbClr val="000000"/>
-            </a:solidFill>
-          </a:ln>
         </p:spPr>
         <p:txBody>
           <a:bodyPr wrap="none" rtlCol="0">
@@ -9843,23 +9500,11 @@
           <a:p>
             <a:r>
               <a:rPr kumimoji="1" lang="ja-JP" altLang="en-US" sz="1000" dirty="0" smtClean="0"/>
-              <a:t>数値</a:t>
+              <a:t>ループ</a:t>
             </a:r>
             <a:r>
               <a:rPr kumimoji="1" lang="en-US" altLang="ja-JP" sz="1000" dirty="0" smtClean="0"/>
-              <a:t>7</a:t>
-            </a:r>
-            <a:r>
-              <a:rPr kumimoji="1" lang="ja-JP" altLang="en-US" sz="1000" dirty="0" smtClean="0"/>
-              <a:t>が入っている</a:t>
-            </a:r>
-            <a:r>
-              <a:rPr kumimoji="1" lang="en-US" altLang="ja-JP" sz="1000" dirty="0" err="1" smtClean="0"/>
-              <a:t>θ</a:t>
-            </a:r>
-            <a:r>
-              <a:rPr kumimoji="1" lang="ja-JP" altLang="en-US" sz="1000" dirty="0" smtClean="0"/>
-              <a:t>を表記</a:t>
+              <a:t>1</a:t>
             </a:r>
             <a:endParaRPr kumimoji="1" lang="ja-JP" altLang="en-US" sz="1000" dirty="0"/>
           </a:p>
@@ -9867,14 +9512,14 @@
       </p:sp>
       <p:sp>
         <p:nvSpPr>
-          <p:cNvPr id="54" name="テキスト ボックス 53"/>
+          <p:cNvPr id="105" name="テキスト ボックス 104"/>
           <p:cNvSpPr txBox="1"/>
           <p:nvPr/>
         </p:nvSpPr>
         <p:spPr>
           <a:xfrm>
-            <a:off x="3392448" y="1785515"/>
-            <a:ext cx="1826141" cy="307777"/>
+            <a:off x="4653874" y="1632534"/>
+            <a:ext cx="663510" cy="253916"/>
           </a:xfrm>
           <a:prstGeom prst="rect">
             <a:avLst/>
@@ -9888,12 +9533,114 @@
           <a:lstStyle/>
           <a:p>
             <a:r>
-              <a:rPr kumimoji="1" lang="en-US" altLang="ja-JP" dirty="0" err="1" smtClean="0"/>
-              <a:t>a〜g</a:t>
+              <a:rPr kumimoji="1" lang="ja-JP" altLang="en-US" sz="1000" dirty="0" smtClean="0"/>
+              <a:t>ループ</a:t>
+            </a:r>
+            <a:r>
+              <a:rPr kumimoji="1" lang="en-US" altLang="ja-JP" sz="1000" dirty="0"/>
+              <a:t>2</a:t>
+            </a:r>
+            <a:endParaRPr kumimoji="1" lang="ja-JP" altLang="en-US" sz="1000" dirty="0"/>
+          </a:p>
+        </p:txBody>
+      </p:sp>
+      <p:sp>
+        <p:nvSpPr>
+          <p:cNvPr id="106" name="テキスト ボックス 105"/>
+          <p:cNvSpPr txBox="1"/>
+          <p:nvPr/>
+        </p:nvSpPr>
+        <p:spPr>
+          <a:xfrm>
+            <a:off x="4625608" y="3489790"/>
+            <a:ext cx="663510" cy="253916"/>
+          </a:xfrm>
+          <a:prstGeom prst="rect">
+            <a:avLst/>
+          </a:prstGeom>
+          <a:noFill/>
+        </p:spPr>
+        <p:txBody>
+          <a:bodyPr wrap="none" rtlCol="0">
+            <a:spAutoFit/>
+          </a:bodyPr>
+          <a:lstStyle/>
+          <a:p>
+            <a:r>
+              <a:rPr kumimoji="1" lang="ja-JP" altLang="en-US" sz="1000" dirty="0" smtClean="0"/>
+              <a:t>ループ</a:t>
+            </a:r>
+            <a:r>
+              <a:rPr kumimoji="1" lang="en-US" altLang="ja-JP" sz="1000" dirty="0"/>
+              <a:t>2</a:t>
+            </a:r>
+            <a:endParaRPr kumimoji="1" lang="ja-JP" altLang="en-US" sz="1000" dirty="0"/>
+          </a:p>
+        </p:txBody>
+      </p:sp>
+      <p:sp>
+        <p:nvSpPr>
+          <p:cNvPr id="107" name="テキスト ボックス 106"/>
+          <p:cNvSpPr txBox="1"/>
+          <p:nvPr/>
+        </p:nvSpPr>
+        <p:spPr>
+          <a:xfrm>
+            <a:off x="4704295" y="4425342"/>
+            <a:ext cx="640708" cy="246221"/>
+          </a:xfrm>
+          <a:prstGeom prst="rect">
+            <a:avLst/>
+          </a:prstGeom>
+          <a:noFill/>
+        </p:spPr>
+        <p:txBody>
+          <a:bodyPr wrap="none" rtlCol="0">
+            <a:spAutoFit/>
+          </a:bodyPr>
+          <a:lstStyle/>
+          <a:p>
+            <a:r>
+              <a:rPr kumimoji="1" lang="ja-JP" altLang="en-US" sz="1000" dirty="0" smtClean="0"/>
+              <a:t>ループ</a:t>
+            </a:r>
+            <a:r>
+              <a:rPr kumimoji="1" lang="en-US" altLang="ja-JP" sz="1000" dirty="0"/>
+              <a:t>1</a:t>
+            </a:r>
+            <a:endParaRPr kumimoji="1" lang="ja-JP" altLang="en-US" sz="1000" dirty="0"/>
+          </a:p>
+        </p:txBody>
+      </p:sp>
+      <p:sp>
+        <p:nvSpPr>
+          <p:cNvPr id="108" name="テキスト ボックス 107"/>
+          <p:cNvSpPr txBox="1"/>
+          <p:nvPr/>
+        </p:nvSpPr>
+        <p:spPr>
+          <a:xfrm>
+            <a:off x="144348" y="836147"/>
+            <a:ext cx="2648381" cy="307777"/>
+          </a:xfrm>
+          <a:prstGeom prst="rect">
+            <a:avLst/>
+          </a:prstGeom>
+          <a:noFill/>
+        </p:spPr>
+        <p:txBody>
+          <a:bodyPr wrap="none" rtlCol="0">
+            <a:spAutoFit/>
+          </a:bodyPr>
+          <a:lstStyle/>
+          <a:p>
+            <a:r>
+              <a:rPr kumimoji="1" lang="en-US" altLang="ja-JP" dirty="0" smtClean="0"/>
+              <a:t>A[]</a:t>
             </a:r>
             <a:r>
               <a:rPr kumimoji="1" lang="ja-JP" altLang="en-US" dirty="0" smtClean="0"/>
-              <a:t>を先頭から比較</a:t>
+              <a:t>の配列があるとして。。。</a:t>
             </a:r>
             <a:endParaRPr kumimoji="1" lang="ja-JP" altLang="en-US" dirty="0"/>
           </a:p>
@@ -12618,107 +12365,6 @@
           </a:fontRef>
         </p:style>
       </p:cxnSp>
-      <p:sp>
-        <p:nvSpPr>
-          <p:cNvPr id="37" name="テキスト ボックス 36"/>
-          <p:cNvSpPr txBox="1"/>
-          <p:nvPr/>
-        </p:nvSpPr>
-        <p:spPr>
-          <a:xfrm>
-            <a:off x="437837" y="2023359"/>
-            <a:ext cx="2738237" cy="307777"/>
-          </a:xfrm>
-          <a:prstGeom prst="rect">
-            <a:avLst/>
-          </a:prstGeom>
-          <a:noFill/>
-        </p:spPr>
-        <p:txBody>
-          <a:bodyPr wrap="none" rtlCol="0">
-            <a:spAutoFit/>
-          </a:bodyPr>
-          <a:lstStyle/>
-          <a:p>
-            <a:r>
-              <a:rPr kumimoji="1" lang="en-US" altLang="ja-JP" dirty="0" smtClean="0"/>
-              <a:t>X</a:t>
-            </a:r>
-            <a:r>
-              <a:rPr kumimoji="1" lang="ja-JP" altLang="en-US" dirty="0" smtClean="0"/>
-              <a:t>は１</a:t>
-            </a:r>
-            <a:r>
-              <a:rPr kumimoji="1" lang="en-US" altLang="ja-JP" dirty="0" smtClean="0"/>
-              <a:t>〜9</a:t>
-            </a:r>
-            <a:r>
-              <a:rPr kumimoji="1" lang="ja-JP" altLang="en-US" dirty="0" smtClean="0"/>
-              <a:t>までをループさせたい</a:t>
-            </a:r>
-            <a:endParaRPr kumimoji="1" lang="en-US" altLang="ja-JP" dirty="0" smtClean="0"/>
-          </a:p>
-        </p:txBody>
-      </p:sp>
-      <p:sp>
-        <p:nvSpPr>
-          <p:cNvPr id="39" name="テキスト ボックス 38"/>
-          <p:cNvSpPr txBox="1"/>
-          <p:nvPr/>
-        </p:nvSpPr>
-        <p:spPr>
-          <a:xfrm>
-            <a:off x="1172115" y="3067612"/>
-            <a:ext cx="1381633" cy="307777"/>
-          </a:xfrm>
-          <a:prstGeom prst="rect">
-            <a:avLst/>
-          </a:prstGeom>
-          <a:noFill/>
-        </p:spPr>
-        <p:txBody>
-          <a:bodyPr wrap="none" rtlCol="0">
-            <a:spAutoFit/>
-          </a:bodyPr>
-          <a:lstStyle/>
-          <a:p>
-            <a:r>
-              <a:rPr kumimoji="1" lang="en-US" altLang="en-US" dirty="0" smtClean="0"/>
-              <a:t>Xに２ずつ追加</a:t>
-            </a:r>
-          </a:p>
-        </p:txBody>
-      </p:sp>
-      <p:sp>
-        <p:nvSpPr>
-          <p:cNvPr id="41" name="テキスト ボックス 40"/>
-          <p:cNvSpPr txBox="1"/>
-          <p:nvPr/>
-        </p:nvSpPr>
-        <p:spPr>
-          <a:xfrm>
-            <a:off x="1555117" y="1437546"/>
-            <a:ext cx="1620957" cy="307777"/>
-          </a:xfrm>
-          <a:prstGeom prst="rect">
-            <a:avLst/>
-          </a:prstGeom>
-          <a:noFill/>
-        </p:spPr>
-        <p:txBody>
-          <a:bodyPr wrap="none" rtlCol="0">
-            <a:spAutoFit/>
-          </a:bodyPr>
-          <a:lstStyle/>
-          <a:p>
-            <a:r>
-              <a:rPr kumimoji="1" lang="ja-JP" altLang="en-US" dirty="0" smtClean="0"/>
-              <a:t>初期値を１と設定</a:t>
-            </a:r>
-            <a:endParaRPr kumimoji="1" lang="ja-JP" altLang="en-US" dirty="0"/>
-          </a:p>
-        </p:txBody>
-      </p:sp>
       <p:sp>
         <p:nvSpPr>
           <p:cNvPr id="42" name="テキスト ボックス 41"/>
@@ -15162,79 +14808,13 @@
       </p:cxnSp>
       <p:sp>
         <p:nvSpPr>
-          <p:cNvPr id="11" name="テキスト ボックス 10"/>
-          <p:cNvSpPr txBox="1"/>
-          <p:nvPr/>
-        </p:nvSpPr>
-        <p:spPr>
-          <a:xfrm>
-            <a:off x="3035300" y="4643787"/>
-            <a:ext cx="2159566" cy="523220"/>
-          </a:xfrm>
-          <a:prstGeom prst="rect">
-            <a:avLst/>
-          </a:prstGeom>
-          <a:noFill/>
-        </p:spPr>
-        <p:txBody>
-          <a:bodyPr wrap="none" rtlCol="0">
-            <a:spAutoFit/>
-          </a:bodyPr>
-          <a:lstStyle/>
-          <a:p>
-            <a:r>
-              <a:rPr kumimoji="1" lang="ja-JP" altLang="en-US" dirty="0" smtClean="0"/>
-              <a:t>ループで表現が望ましい</a:t>
-            </a:r>
-            <a:endParaRPr kumimoji="1" lang="en-US" altLang="ja-JP" dirty="0" smtClean="0"/>
-          </a:p>
-          <a:p>
-            <a:endParaRPr kumimoji="1" lang="ja-JP" altLang="en-US" dirty="0"/>
-          </a:p>
-        </p:txBody>
-      </p:sp>
-      <p:sp>
-        <p:nvSpPr>
-          <p:cNvPr id="21" name="テキスト ボックス 20"/>
-          <p:cNvSpPr txBox="1"/>
-          <p:nvPr/>
-        </p:nvSpPr>
-        <p:spPr>
-          <a:xfrm>
-            <a:off x="3035300" y="4382177"/>
-            <a:ext cx="1980029" cy="523220"/>
-          </a:xfrm>
-          <a:prstGeom prst="rect">
-            <a:avLst/>
-          </a:prstGeom>
-          <a:noFill/>
-        </p:spPr>
-        <p:txBody>
-          <a:bodyPr wrap="none" rtlCol="0">
-            <a:spAutoFit/>
-          </a:bodyPr>
-          <a:lstStyle/>
-          <a:p>
-            <a:r>
-              <a:rPr kumimoji="1" lang="ja-JP" altLang="en-US" dirty="0" smtClean="0"/>
-              <a:t>ループの中に条件分岐</a:t>
-            </a:r>
-            <a:endParaRPr kumimoji="1" lang="en-US" altLang="ja-JP" dirty="0" smtClean="0"/>
-          </a:p>
-          <a:p>
-            <a:endParaRPr kumimoji="1" lang="ja-JP" altLang="en-US" dirty="0"/>
-          </a:p>
-        </p:txBody>
-      </p:sp>
-      <p:sp>
-        <p:nvSpPr>
           <p:cNvPr id="33" name="テキスト ボックス 32"/>
           <p:cNvSpPr txBox="1"/>
           <p:nvPr/>
         </p:nvSpPr>
         <p:spPr>
           <a:xfrm>
-            <a:off x="-193342" y="1042825"/>
+            <a:off x="51474" y="956618"/>
             <a:ext cx="902811" cy="307777"/>
           </a:xfrm>
           <a:prstGeom prst="rect">

--- a/challenge_0/Flowchart .pptx
+++ b/challenge_0/Flowchart .pptx
@@ -9758,8 +9758,17 @@
             </a:r>
             <a:r>
               <a:rPr lang="ja" sz="2400" b="1" dirty="0"/>
-              <a:t>する処理</a:t>
-            </a:r>
+              <a:t>する</a:t>
+            </a:r>
+            <a:r>
+              <a:rPr lang="ja" sz="2400" b="1" dirty="0" smtClean="0"/>
+              <a:t>処理</a:t>
+            </a:r>
+            <a:r>
+              <a:rPr lang="ja-JP" altLang="en-US" sz="2400" b="1" smtClean="0"/>
+              <a:t> </a:t>
+            </a:r>
+            <a:endParaRPr lang="ja" sz="2400" b="1" dirty="0"/>
           </a:p>
         </p:txBody>
       </p:sp>
